--- a/历史资料/思维导图（历史）.pptx
+++ b/历史资料/思维导图（历史）.pptx
@@ -1,36 +1,36 @@
 
 <file path=ppt/presentation.xml><?xml version="1.0" encoding="utf-8"?>
-<p:presentation xmlns:a="http://schemas.openxmlformats.org/drawingml/2006/main" xmlns:r="http://schemas.openxmlformats.org/officeDocument/2006/relationships" xmlns:p="http://schemas.openxmlformats.org/presentationml/2006/main" saveSubsetFonts="1">
+<p:presentation xmlns:a="http://schemas.openxmlformats.org/drawingml/2006/main" xmlns:r="http://schemas.openxmlformats.org/officeDocument/2006/relationships" xmlns:p="http://schemas.openxmlformats.org/presentationml/2006/main">
   <p:sldMasterIdLst>
-    <p:sldMasterId id="2147483660" r:id="rId1"/>
+    <p:sldMasterId id="2147483648" r:id="rId1"/>
   </p:sldMasterIdLst>
   <p:notesMasterIdLst>
-    <p:notesMasterId r:id="rId25"/>
+    <p:notesMasterId r:id="rId16"/>
   </p:notesMasterIdLst>
   <p:sldIdLst>
-    <p:sldId id="256" r:id="rId2"/>
-    <p:sldId id="259" r:id="rId3"/>
-    <p:sldId id="260" r:id="rId4"/>
-    <p:sldId id="261" r:id="rId5"/>
-    <p:sldId id="262" r:id="rId6"/>
-    <p:sldId id="263" r:id="rId7"/>
-    <p:sldId id="264" r:id="rId8"/>
-    <p:sldId id="265" r:id="rId9"/>
-    <p:sldId id="266" r:id="rId10"/>
-    <p:sldId id="267" r:id="rId11"/>
-    <p:sldId id="268" r:id="rId12"/>
-    <p:sldId id="269" r:id="rId13"/>
-    <p:sldId id="270" r:id="rId14"/>
-    <p:sldId id="271" r:id="rId15"/>
-    <p:sldId id="272" r:id="rId16"/>
-    <p:sldId id="273" r:id="rId17"/>
-    <p:sldId id="274" r:id="rId18"/>
-    <p:sldId id="275" r:id="rId19"/>
-    <p:sldId id="276" r:id="rId20"/>
-    <p:sldId id="277" r:id="rId21"/>
-    <p:sldId id="278" r:id="rId22"/>
-    <p:sldId id="279" r:id="rId23"/>
-    <p:sldId id="280" r:id="rId24"/>
+    <p:sldId id="256" r:id="rId3"/>
+    <p:sldId id="259" r:id="rId4"/>
+    <p:sldId id="260" r:id="rId5"/>
+    <p:sldId id="261" r:id="rId6"/>
+    <p:sldId id="262" r:id="rId7"/>
+    <p:sldId id="263" r:id="rId8"/>
+    <p:sldId id="264" r:id="rId9"/>
+    <p:sldId id="265" r:id="rId10"/>
+    <p:sldId id="266" r:id="rId11"/>
+    <p:sldId id="267" r:id="rId12"/>
+    <p:sldId id="268" r:id="rId13"/>
+    <p:sldId id="269" r:id="rId14"/>
+    <p:sldId id="270" r:id="rId15"/>
+    <p:sldId id="271" r:id="rId17"/>
+    <p:sldId id="272" r:id="rId18"/>
+    <p:sldId id="273" r:id="rId19"/>
+    <p:sldId id="274" r:id="rId20"/>
+    <p:sldId id="275" r:id="rId21"/>
+    <p:sldId id="276" r:id="rId22"/>
+    <p:sldId id="277" r:id="rId23"/>
+    <p:sldId id="278" r:id="rId24"/>
+    <p:sldId id="279" r:id="rId25"/>
+    <p:sldId id="280" r:id="rId26"/>
   </p:sldIdLst>
   <p:sldSz cx="12192000" cy="6858000"/>
   <p:notesSz cx="6858000" cy="9144000"/>
@@ -214,7 +214,6 @@
           <a:p>
             <a:fld id="{251EA3EF-3788-4D58-B650-469CA8B6E73C}" type="datetimeFigureOut">
               <a:rPr lang="zh-CN" altLang="en-US" smtClean="0"/>
-              <a:t>2019/10/26</a:t>
             </a:fld>
             <a:endParaRPr lang="zh-CN" altLang="en-US"/>
           </a:p>
@@ -281,6 +280,7 @@
               <a:rPr lang="zh-CN" altLang="en-US"/>
               <a:t>编辑母版文本样式</a:t>
             </a:r>
+            <a:endParaRPr lang="zh-CN" altLang="en-US"/>
           </a:p>
           <a:p>
             <a:pPr lvl="1"/>
@@ -288,6 +288,7 @@
               <a:rPr lang="zh-CN" altLang="en-US"/>
               <a:t>第二级</a:t>
             </a:r>
+            <a:endParaRPr lang="zh-CN" altLang="en-US"/>
           </a:p>
           <a:p>
             <a:pPr lvl="2"/>
@@ -295,6 +296,7 @@
               <a:rPr lang="zh-CN" altLang="en-US"/>
               <a:t>第三级</a:t>
             </a:r>
+            <a:endParaRPr lang="zh-CN" altLang="en-US"/>
           </a:p>
           <a:p>
             <a:pPr lvl="3"/>
@@ -302,6 +304,7 @@
               <a:rPr lang="zh-CN" altLang="en-US"/>
               <a:t>第四级</a:t>
             </a:r>
+            <a:endParaRPr lang="zh-CN" altLang="en-US"/>
           </a:p>
           <a:p>
             <a:pPr lvl="4"/>
@@ -309,6 +312,7 @@
               <a:rPr lang="zh-CN" altLang="en-US"/>
               <a:t>第五级</a:t>
             </a:r>
+            <a:endParaRPr lang="zh-CN" altLang="en-US"/>
           </a:p>
         </p:txBody>
       </p:sp>
@@ -372,18 +376,12 @@
           <a:p>
             <a:fld id="{5AA661DC-5CC3-4234-BE02-05FEA1811D02}" type="slidenum">
               <a:rPr lang="zh-CN" altLang="en-US" smtClean="0"/>
-              <a:t>‹#›</a:t>
             </a:fld>
             <a:endParaRPr lang="zh-CN" altLang="en-US"/>
           </a:p>
         </p:txBody>
       </p:sp>
     </p:spTree>
-    <p:extLst>
-      <p:ext uri="{BB962C8B-B14F-4D97-AF65-F5344CB8AC3E}">
-        <p14:creationId xmlns:p14="http://schemas.microsoft.com/office/powerpoint/2010/main" val="1600050497"/>
-      </p:ext>
-    </p:extLst>
   </p:cSld>
   <p:clrMap bg1="lt1" tx1="dk1" bg2="lt2" tx2="dk2" accent1="accent1" accent2="accent2" accent3="accent3" accent4="accent4" accent5="accent5" accent6="accent6" hlink="hlink" folHlink="folHlink"/>
   <p:notesStyle>
@@ -546,18 +544,12 @@
           <a:p>
             <a:fld id="{5AA661DC-5CC3-4234-BE02-05FEA1811D02}" type="slidenum">
               <a:rPr lang="zh-CN" altLang="en-US" smtClean="0"/>
-              <a:t>13</a:t>
             </a:fld>
             <a:endParaRPr lang="zh-CN" altLang="en-US"/>
           </a:p>
         </p:txBody>
       </p:sp>
     </p:spTree>
-    <p:extLst>
-      <p:ext uri="{BB962C8B-B14F-4D97-AF65-F5344CB8AC3E}">
-        <p14:creationId xmlns:p14="http://schemas.microsoft.com/office/powerpoint/2010/main" val="278750381"/>
-      </p:ext>
-    </p:extLst>
   </p:cSld>
   <p:clrMapOvr>
     <a:masterClrMapping/>
@@ -753,7 +745,6 @@
           <a:p>
             <a:fld id="{80A25166-E56A-4195-A798-9112881CFE07}" type="datetimeFigureOut">
               <a:rPr lang="zh-CN" altLang="en-US" smtClean="0"/>
-              <a:t>2019/10/26</a:t>
             </a:fld>
             <a:endParaRPr lang="zh-CN" altLang="en-US"/>
           </a:p>
@@ -882,18 +873,12 @@
           <a:p>
             <a:fld id="{1163B88B-DE80-421C-9B56-8ED2607FAB6D}" type="slidenum">
               <a:rPr lang="zh-CN" altLang="en-US" smtClean="0"/>
-              <a:t>‹#›</a:t>
             </a:fld>
             <a:endParaRPr lang="zh-CN" altLang="en-US"/>
           </a:p>
         </p:txBody>
       </p:sp>
     </p:spTree>
-    <p:extLst>
-      <p:ext uri="{BB962C8B-B14F-4D97-AF65-F5344CB8AC3E}">
-        <p14:creationId xmlns:p14="http://schemas.microsoft.com/office/powerpoint/2010/main" val="2510791353"/>
-      </p:ext>
-    </p:extLst>
   </p:cSld>
   <p:clrMapOvr>
     <a:masterClrMapping/>
@@ -959,7 +944,7 @@
             <a:spLocks noGrp="1"/>
           </p:cNvSpPr>
           <p:nvPr>
-            <p:ph type="body" idx="1"/>
+            <p:ph type="body" idx="1" hasCustomPrompt="1"/>
           </p:nvPr>
         </p:nvSpPr>
         <p:spPr>
@@ -1071,6 +1056,7 @@
               <a:rPr lang="zh-CN" altLang="en-US"/>
               <a:t>编辑母版文本样式</a:t>
             </a:r>
+            <a:endParaRPr lang="zh-CN" altLang="en-US"/>
           </a:p>
         </p:txBody>
       </p:sp>
@@ -1091,7 +1077,6 @@
           <a:p>
             <a:fld id="{80A25166-E56A-4195-A798-9112881CFE07}" type="datetimeFigureOut">
               <a:rPr lang="zh-CN" altLang="en-US" smtClean="0"/>
-              <a:t>2019/10/26</a:t>
             </a:fld>
             <a:endParaRPr lang="zh-CN" altLang="en-US"/>
           </a:p>
@@ -1220,18 +1205,12 @@
           <a:p>
             <a:fld id="{1163B88B-DE80-421C-9B56-8ED2607FAB6D}" type="slidenum">
               <a:rPr lang="zh-CN" altLang="en-US" smtClean="0"/>
-              <a:t>‹#›</a:t>
             </a:fld>
             <a:endParaRPr lang="zh-CN" altLang="en-US"/>
           </a:p>
         </p:txBody>
       </p:sp>
     </p:spTree>
-    <p:extLst>
-      <p:ext uri="{BB962C8B-B14F-4D97-AF65-F5344CB8AC3E}">
-        <p14:creationId xmlns:p14="http://schemas.microsoft.com/office/powerpoint/2010/main" val="2988324197"/>
-      </p:ext>
-    </p:extLst>
   </p:cSld>
   <p:clrMapOvr>
     <a:masterClrMapping/>
@@ -1297,7 +1276,7 @@
             <a:spLocks noGrp="1"/>
           </p:cNvSpPr>
           <p:nvPr>
-            <p:ph type="body" sz="quarter" idx="13"/>
+            <p:ph type="body" sz="quarter" idx="13" hasCustomPrompt="1"/>
           </p:nvPr>
         </p:nvSpPr>
         <p:spPr>
@@ -1350,6 +1329,7 @@
               <a:rPr lang="zh-CN" altLang="en-US"/>
               <a:t>编辑母版文本样式</a:t>
             </a:r>
+            <a:endParaRPr lang="zh-CN" altLang="en-US"/>
           </a:p>
         </p:txBody>
       </p:sp>
@@ -1360,7 +1340,7 @@
             <a:spLocks noGrp="1"/>
           </p:cNvSpPr>
           <p:nvPr>
-            <p:ph type="body" idx="1"/>
+            <p:ph type="body" idx="1" hasCustomPrompt="1"/>
           </p:nvPr>
         </p:nvSpPr>
         <p:spPr>
@@ -1472,6 +1452,7 @@
               <a:rPr lang="zh-CN" altLang="en-US"/>
               <a:t>编辑母版文本样式</a:t>
             </a:r>
+            <a:endParaRPr lang="zh-CN" altLang="en-US"/>
           </a:p>
         </p:txBody>
       </p:sp>
@@ -1492,7 +1473,6 @@
           <a:p>
             <a:fld id="{80A25166-E56A-4195-A798-9112881CFE07}" type="datetimeFigureOut">
               <a:rPr lang="zh-CN" altLang="en-US" smtClean="0"/>
-              <a:t>2019/10/26</a:t>
             </a:fld>
             <a:endParaRPr lang="zh-CN" altLang="en-US"/>
           </a:p>
@@ -1621,7 +1601,6 @@
           <a:p>
             <a:fld id="{1163B88B-DE80-421C-9B56-8ED2607FAB6D}" type="slidenum">
               <a:rPr lang="zh-CN" altLang="en-US" smtClean="0"/>
-              <a:t>‹#›</a:t>
             </a:fld>
             <a:endParaRPr lang="zh-CN" altLang="en-US"/>
           </a:p>
@@ -1658,10 +1637,20 @@
                   <a:schemeClr val="accent1"/>
                 </a:solidFill>
                 <a:effectLst/>
-                <a:latin typeface="Arial"/>
+                <a:latin typeface="Arial" panose="020B0604020202020204"/>
               </a:rPr>
               <a:t>“</a:t>
             </a:r>
+            <a:endParaRPr lang="en-US" sz="8000" baseline="0" dirty="0">
+              <a:ln w="3175" cmpd="sng">
+                <a:noFill/>
+              </a:ln>
+              <a:solidFill>
+                <a:schemeClr val="accent1"/>
+              </a:solidFill>
+              <a:effectLst/>
+              <a:latin typeface="Arial" panose="020B0604020202020204"/>
+            </a:endParaRPr>
           </a:p>
         </p:txBody>
       </p:sp>
@@ -1696,19 +1685,24 @@
                   <a:schemeClr val="accent1"/>
                 </a:solidFill>
                 <a:effectLst/>
-                <a:latin typeface="Arial"/>
+                <a:latin typeface="Arial" panose="020B0604020202020204"/>
               </a:rPr>
               <a:t>”</a:t>
             </a:r>
+            <a:endParaRPr lang="en-US" sz="8000" baseline="0" dirty="0">
+              <a:ln w="3175" cmpd="sng">
+                <a:noFill/>
+              </a:ln>
+              <a:solidFill>
+                <a:schemeClr val="accent1"/>
+              </a:solidFill>
+              <a:effectLst/>
+              <a:latin typeface="Arial" panose="020B0604020202020204"/>
+            </a:endParaRPr>
           </a:p>
         </p:txBody>
       </p:sp>
     </p:spTree>
-    <p:extLst>
-      <p:ext uri="{BB962C8B-B14F-4D97-AF65-F5344CB8AC3E}">
-        <p14:creationId xmlns:p14="http://schemas.microsoft.com/office/powerpoint/2010/main" val="3084472772"/>
-      </p:ext>
-    </p:extLst>
   </p:cSld>
   <p:clrMapOvr>
     <a:masterClrMapping/>
@@ -1774,7 +1768,7 @@
             <a:spLocks noGrp="1"/>
           </p:cNvSpPr>
           <p:nvPr>
-            <p:ph type="body" sz="half" idx="2"/>
+            <p:ph type="body" sz="half" idx="2" hasCustomPrompt="1"/>
           </p:nvPr>
         </p:nvSpPr>
         <p:spPr>
@@ -1808,6 +1802,7 @@
               <a:rPr lang="zh-CN" altLang="en-US"/>
               <a:t>编辑母版文本样式</a:t>
             </a:r>
+            <a:endParaRPr lang="zh-CN" altLang="en-US"/>
           </a:p>
         </p:txBody>
       </p:sp>
@@ -1828,7 +1823,6 @@
           <a:p>
             <a:fld id="{80A25166-E56A-4195-A798-9112881CFE07}" type="datetimeFigureOut">
               <a:rPr lang="zh-CN" altLang="en-US" smtClean="0"/>
-              <a:t>2019/10/26</a:t>
             </a:fld>
             <a:endParaRPr lang="zh-CN" altLang="en-US"/>
           </a:p>
@@ -1957,18 +1951,12 @@
           <a:p>
             <a:fld id="{1163B88B-DE80-421C-9B56-8ED2607FAB6D}" type="slidenum">
               <a:rPr lang="zh-CN" altLang="en-US" smtClean="0"/>
-              <a:t>‹#›</a:t>
             </a:fld>
             <a:endParaRPr lang="zh-CN" altLang="en-US"/>
           </a:p>
         </p:txBody>
       </p:sp>
     </p:spTree>
-    <p:extLst>
-      <p:ext uri="{BB962C8B-B14F-4D97-AF65-F5344CB8AC3E}">
-        <p14:creationId xmlns:p14="http://schemas.microsoft.com/office/powerpoint/2010/main" val="44621524"/>
-      </p:ext>
-    </p:extLst>
   </p:cSld>
   <p:clrMapOvr>
     <a:masterClrMapping/>
@@ -2034,7 +2022,7 @@
             <a:spLocks noGrp="1"/>
           </p:cNvSpPr>
           <p:nvPr>
-            <p:ph type="body" sz="quarter" idx="13"/>
+            <p:ph type="body" sz="quarter" idx="13" hasCustomPrompt="1"/>
           </p:nvPr>
         </p:nvSpPr>
         <p:spPr>
@@ -2084,6 +2072,7 @@
               <a:rPr lang="zh-CN" altLang="en-US"/>
               <a:t>编辑母版文本样式</a:t>
             </a:r>
+            <a:endParaRPr lang="zh-CN" altLang="en-US"/>
           </a:p>
         </p:txBody>
       </p:sp>
@@ -2094,7 +2083,7 @@
             <a:spLocks noGrp="1"/>
           </p:cNvSpPr>
           <p:nvPr>
-            <p:ph type="body" sz="half" idx="2"/>
+            <p:ph type="body" sz="half" idx="2" hasCustomPrompt="1"/>
           </p:nvPr>
         </p:nvSpPr>
         <p:spPr>
@@ -2128,6 +2117,7 @@
               <a:rPr lang="zh-CN" altLang="en-US"/>
               <a:t>编辑母版文本样式</a:t>
             </a:r>
+            <a:endParaRPr lang="zh-CN" altLang="en-US"/>
           </a:p>
         </p:txBody>
       </p:sp>
@@ -2148,7 +2138,6 @@
           <a:p>
             <a:fld id="{80A25166-E56A-4195-A798-9112881CFE07}" type="datetimeFigureOut">
               <a:rPr lang="zh-CN" altLang="en-US" smtClean="0"/>
-              <a:t>2019/10/26</a:t>
             </a:fld>
             <a:endParaRPr lang="zh-CN" altLang="en-US"/>
           </a:p>
@@ -2277,7 +2266,6 @@
           <a:p>
             <a:fld id="{1163B88B-DE80-421C-9B56-8ED2607FAB6D}" type="slidenum">
               <a:rPr lang="zh-CN" altLang="en-US" smtClean="0"/>
-              <a:t>‹#›</a:t>
             </a:fld>
             <a:endParaRPr lang="zh-CN" altLang="en-US"/>
           </a:p>
@@ -2314,10 +2302,20 @@
                   <a:schemeClr val="accent1"/>
                 </a:solidFill>
                 <a:effectLst/>
-                <a:latin typeface="Arial"/>
+                <a:latin typeface="Arial" panose="020B0604020202020204"/>
               </a:rPr>
               <a:t>“</a:t>
             </a:r>
+            <a:endParaRPr lang="en-US" sz="8000" baseline="0" dirty="0">
+              <a:ln w="3175" cmpd="sng">
+                <a:noFill/>
+              </a:ln>
+              <a:solidFill>
+                <a:schemeClr val="accent1"/>
+              </a:solidFill>
+              <a:effectLst/>
+              <a:latin typeface="Arial" panose="020B0604020202020204"/>
+            </a:endParaRPr>
           </a:p>
         </p:txBody>
       </p:sp>
@@ -2352,19 +2350,24 @@
                   <a:schemeClr val="accent1"/>
                 </a:solidFill>
                 <a:effectLst/>
-                <a:latin typeface="Arial"/>
+                <a:latin typeface="Arial" panose="020B0604020202020204"/>
               </a:rPr>
               <a:t>”</a:t>
             </a:r>
+            <a:endParaRPr lang="en-US" sz="8000" baseline="0" dirty="0">
+              <a:ln w="3175" cmpd="sng">
+                <a:noFill/>
+              </a:ln>
+              <a:solidFill>
+                <a:schemeClr val="accent1"/>
+              </a:solidFill>
+              <a:effectLst/>
+              <a:latin typeface="Arial" panose="020B0604020202020204"/>
+            </a:endParaRPr>
           </a:p>
         </p:txBody>
       </p:sp>
     </p:spTree>
-    <p:extLst>
-      <p:ext uri="{BB962C8B-B14F-4D97-AF65-F5344CB8AC3E}">
-        <p14:creationId xmlns:p14="http://schemas.microsoft.com/office/powerpoint/2010/main" val="522624362"/>
-      </p:ext>
-    </p:extLst>
   </p:cSld>
   <p:clrMapOvr>
     <a:masterClrMapping/>
@@ -2430,7 +2433,7 @@
             <a:spLocks noGrp="1"/>
           </p:cNvSpPr>
           <p:nvPr>
-            <p:ph type="body" sz="quarter" idx="13"/>
+            <p:ph type="body" sz="quarter" idx="13" hasCustomPrompt="1"/>
           </p:nvPr>
         </p:nvSpPr>
         <p:spPr>
@@ -2480,6 +2483,7 @@
               <a:rPr lang="zh-CN" altLang="en-US"/>
               <a:t>编辑母版文本样式</a:t>
             </a:r>
+            <a:endParaRPr lang="zh-CN" altLang="en-US"/>
           </a:p>
         </p:txBody>
       </p:sp>
@@ -2490,7 +2494,7 @@
             <a:spLocks noGrp="1"/>
           </p:cNvSpPr>
           <p:nvPr>
-            <p:ph type="body" sz="half" idx="2"/>
+            <p:ph type="body" sz="half" idx="2" hasCustomPrompt="1"/>
           </p:nvPr>
         </p:nvSpPr>
         <p:spPr>
@@ -2524,6 +2528,7 @@
               <a:rPr lang="zh-CN" altLang="en-US"/>
               <a:t>编辑母版文本样式</a:t>
             </a:r>
+            <a:endParaRPr lang="zh-CN" altLang="en-US"/>
           </a:p>
         </p:txBody>
       </p:sp>
@@ -2544,7 +2549,6 @@
           <a:p>
             <a:fld id="{80A25166-E56A-4195-A798-9112881CFE07}" type="datetimeFigureOut">
               <a:rPr lang="zh-CN" altLang="en-US" smtClean="0"/>
-              <a:t>2019/10/26</a:t>
             </a:fld>
             <a:endParaRPr lang="zh-CN" altLang="en-US"/>
           </a:p>
@@ -2673,18 +2677,12 @@
           <a:p>
             <a:fld id="{1163B88B-DE80-421C-9B56-8ED2607FAB6D}" type="slidenum">
               <a:rPr lang="zh-CN" altLang="en-US" smtClean="0"/>
-              <a:t>‹#›</a:t>
             </a:fld>
             <a:endParaRPr lang="zh-CN" altLang="en-US"/>
           </a:p>
         </p:txBody>
       </p:sp>
     </p:spTree>
-    <p:extLst>
-      <p:ext uri="{BB962C8B-B14F-4D97-AF65-F5344CB8AC3E}">
-        <p14:creationId xmlns:p14="http://schemas.microsoft.com/office/powerpoint/2010/main" val="2564351991"/>
-      </p:ext>
-    </p:extLst>
   </p:cSld>
   <p:clrMapOvr>
     <a:masterClrMapping/>
@@ -2739,7 +2737,7 @@
             <a:spLocks noGrp="1"/>
           </p:cNvSpPr>
           <p:nvPr>
-            <p:ph type="body" orient="vert" idx="1"/>
+            <p:ph type="body" orient="vert" idx="1" hasCustomPrompt="1"/>
           </p:nvPr>
         </p:nvSpPr>
         <p:spPr/>
@@ -2752,6 +2750,7 @@
               <a:rPr lang="zh-CN" altLang="en-US"/>
               <a:t>编辑母版文本样式</a:t>
             </a:r>
+            <a:endParaRPr lang="zh-CN" altLang="en-US"/>
           </a:p>
           <a:p>
             <a:pPr lvl="1"/>
@@ -2759,6 +2758,7 @@
               <a:rPr lang="zh-CN" altLang="en-US"/>
               <a:t>第二级</a:t>
             </a:r>
+            <a:endParaRPr lang="zh-CN" altLang="en-US"/>
           </a:p>
           <a:p>
             <a:pPr lvl="2"/>
@@ -2766,6 +2766,7 @@
               <a:rPr lang="zh-CN" altLang="en-US"/>
               <a:t>第三级</a:t>
             </a:r>
+            <a:endParaRPr lang="zh-CN" altLang="en-US"/>
           </a:p>
           <a:p>
             <a:pPr lvl="3"/>
@@ -2773,6 +2774,7 @@
               <a:rPr lang="zh-CN" altLang="en-US"/>
               <a:t>第四级</a:t>
             </a:r>
+            <a:endParaRPr lang="zh-CN" altLang="en-US"/>
           </a:p>
           <a:p>
             <a:pPr lvl="4"/>
@@ -2801,7 +2803,6 @@
           <a:p>
             <a:fld id="{80A25166-E56A-4195-A798-9112881CFE07}" type="datetimeFigureOut">
               <a:rPr lang="zh-CN" altLang="en-US" smtClean="0"/>
-              <a:t>2019/10/26</a:t>
             </a:fld>
             <a:endParaRPr lang="zh-CN" altLang="en-US"/>
           </a:p>
@@ -2925,18 +2926,12 @@
           <a:p>
             <a:fld id="{1163B88B-DE80-421C-9B56-8ED2607FAB6D}" type="slidenum">
               <a:rPr lang="zh-CN" altLang="en-US" smtClean="0"/>
-              <a:t>‹#›</a:t>
             </a:fld>
             <a:endParaRPr lang="zh-CN" altLang="en-US"/>
           </a:p>
         </p:txBody>
       </p:sp>
     </p:spTree>
-    <p:extLst>
-      <p:ext uri="{BB962C8B-B14F-4D97-AF65-F5344CB8AC3E}">
-        <p14:creationId xmlns:p14="http://schemas.microsoft.com/office/powerpoint/2010/main" val="1915040681"/>
-      </p:ext>
-    </p:extLst>
   </p:cSld>
   <p:clrMapOvr>
     <a:masterClrMapping/>
@@ -2996,7 +2991,7 @@
             <a:spLocks noGrp="1"/>
           </p:cNvSpPr>
           <p:nvPr>
-            <p:ph type="body" orient="vert" idx="1"/>
+            <p:ph type="body" orient="vert" idx="1" hasCustomPrompt="1"/>
           </p:nvPr>
         </p:nvSpPr>
         <p:spPr>
@@ -3014,6 +3009,7 @@
               <a:rPr lang="zh-CN" altLang="en-US"/>
               <a:t>编辑母版文本样式</a:t>
             </a:r>
+            <a:endParaRPr lang="zh-CN" altLang="en-US"/>
           </a:p>
           <a:p>
             <a:pPr lvl="1"/>
@@ -3021,6 +3017,7 @@
               <a:rPr lang="zh-CN" altLang="en-US"/>
               <a:t>第二级</a:t>
             </a:r>
+            <a:endParaRPr lang="zh-CN" altLang="en-US"/>
           </a:p>
           <a:p>
             <a:pPr lvl="2"/>
@@ -3028,6 +3025,7 @@
               <a:rPr lang="zh-CN" altLang="en-US"/>
               <a:t>第三级</a:t>
             </a:r>
+            <a:endParaRPr lang="zh-CN" altLang="en-US"/>
           </a:p>
           <a:p>
             <a:pPr lvl="3"/>
@@ -3035,6 +3033,7 @@
               <a:rPr lang="zh-CN" altLang="en-US"/>
               <a:t>第四级</a:t>
             </a:r>
+            <a:endParaRPr lang="zh-CN" altLang="en-US"/>
           </a:p>
           <a:p>
             <a:pPr lvl="4"/>
@@ -3063,7 +3062,6 @@
           <a:p>
             <a:fld id="{80A25166-E56A-4195-A798-9112881CFE07}" type="datetimeFigureOut">
               <a:rPr lang="zh-CN" altLang="en-US" smtClean="0"/>
-              <a:t>2019/10/26</a:t>
             </a:fld>
             <a:endParaRPr lang="zh-CN" altLang="en-US"/>
           </a:p>
@@ -3187,18 +3185,12 @@
           <a:p>
             <a:fld id="{1163B88B-DE80-421C-9B56-8ED2607FAB6D}" type="slidenum">
               <a:rPr lang="zh-CN" altLang="en-US" smtClean="0"/>
-              <a:t>‹#›</a:t>
             </a:fld>
             <a:endParaRPr lang="zh-CN" altLang="en-US"/>
           </a:p>
         </p:txBody>
       </p:sp>
     </p:spTree>
-    <p:extLst>
-      <p:ext uri="{BB962C8B-B14F-4D97-AF65-F5344CB8AC3E}">
-        <p14:creationId xmlns:p14="http://schemas.microsoft.com/office/powerpoint/2010/main" val="3960305389"/>
-      </p:ext>
-    </p:extLst>
   </p:cSld>
   <p:clrMapOvr>
     <a:masterClrMapping/>
@@ -3258,7 +3250,7 @@
             <a:spLocks noGrp="1"/>
           </p:cNvSpPr>
           <p:nvPr>
-            <p:ph idx="1"/>
+            <p:ph idx="1" hasCustomPrompt="1"/>
           </p:nvPr>
         </p:nvSpPr>
         <p:spPr>
@@ -3276,6 +3268,7 @@
               <a:rPr lang="zh-CN" altLang="en-US"/>
               <a:t>编辑母版文本样式</a:t>
             </a:r>
+            <a:endParaRPr lang="zh-CN" altLang="en-US"/>
           </a:p>
           <a:p>
             <a:pPr lvl="1"/>
@@ -3283,6 +3276,7 @@
               <a:rPr lang="zh-CN" altLang="en-US"/>
               <a:t>第二级</a:t>
             </a:r>
+            <a:endParaRPr lang="zh-CN" altLang="en-US"/>
           </a:p>
           <a:p>
             <a:pPr lvl="2"/>
@@ -3290,6 +3284,7 @@
               <a:rPr lang="zh-CN" altLang="en-US"/>
               <a:t>第三级</a:t>
             </a:r>
+            <a:endParaRPr lang="zh-CN" altLang="en-US"/>
           </a:p>
           <a:p>
             <a:pPr lvl="3"/>
@@ -3297,6 +3292,7 @@
               <a:rPr lang="zh-CN" altLang="en-US"/>
               <a:t>第四级</a:t>
             </a:r>
+            <a:endParaRPr lang="zh-CN" altLang="en-US"/>
           </a:p>
           <a:p>
             <a:pPr lvl="4"/>
@@ -3325,7 +3321,6 @@
           <a:p>
             <a:fld id="{80A25166-E56A-4195-A798-9112881CFE07}" type="datetimeFigureOut">
               <a:rPr lang="zh-CN" altLang="en-US" smtClean="0"/>
-              <a:t>2019/10/26</a:t>
             </a:fld>
             <a:endParaRPr lang="zh-CN" altLang="en-US"/>
           </a:p>
@@ -3449,18 +3444,12 @@
           <a:p>
             <a:fld id="{1163B88B-DE80-421C-9B56-8ED2607FAB6D}" type="slidenum">
               <a:rPr lang="zh-CN" altLang="en-US" smtClean="0"/>
-              <a:t>‹#›</a:t>
             </a:fld>
             <a:endParaRPr lang="zh-CN" altLang="en-US"/>
           </a:p>
         </p:txBody>
       </p:sp>
     </p:spTree>
-    <p:extLst>
-      <p:ext uri="{BB962C8B-B14F-4D97-AF65-F5344CB8AC3E}">
-        <p14:creationId xmlns:p14="http://schemas.microsoft.com/office/powerpoint/2010/main" val="3128531914"/>
-      </p:ext>
-    </p:extLst>
   </p:cSld>
   <p:clrMapOvr>
     <a:masterClrMapping/>
@@ -3524,7 +3513,7 @@
             <a:spLocks noGrp="1"/>
           </p:cNvSpPr>
           <p:nvPr>
-            <p:ph type="body" idx="1"/>
+            <p:ph type="body" idx="1" hasCustomPrompt="1"/>
           </p:nvPr>
         </p:nvSpPr>
         <p:spPr>
@@ -3634,6 +3623,7 @@
               <a:rPr lang="zh-CN" altLang="en-US"/>
               <a:t>编辑母版文本样式</a:t>
             </a:r>
+            <a:endParaRPr lang="zh-CN" altLang="en-US"/>
           </a:p>
         </p:txBody>
       </p:sp>
@@ -3654,7 +3644,6 @@
           <a:p>
             <a:fld id="{80A25166-E56A-4195-A798-9112881CFE07}" type="datetimeFigureOut">
               <a:rPr lang="zh-CN" altLang="en-US" smtClean="0"/>
-              <a:t>2019/10/26</a:t>
             </a:fld>
             <a:endParaRPr lang="zh-CN" altLang="en-US"/>
           </a:p>
@@ -3783,18 +3772,12 @@
           <a:p>
             <a:fld id="{1163B88B-DE80-421C-9B56-8ED2607FAB6D}" type="slidenum">
               <a:rPr lang="zh-CN" altLang="en-US" smtClean="0"/>
-              <a:t>‹#›</a:t>
             </a:fld>
             <a:endParaRPr lang="zh-CN" altLang="en-US"/>
           </a:p>
         </p:txBody>
       </p:sp>
     </p:spTree>
-    <p:extLst>
-      <p:ext uri="{BB962C8B-B14F-4D97-AF65-F5344CB8AC3E}">
-        <p14:creationId xmlns:p14="http://schemas.microsoft.com/office/powerpoint/2010/main" val="3965975948"/>
-      </p:ext>
-    </p:extLst>
   </p:cSld>
   <p:clrMapOvr>
     <a:masterClrMapping/>
@@ -3849,7 +3832,7 @@
             <a:spLocks noGrp="1"/>
           </p:cNvSpPr>
           <p:nvPr>
-            <p:ph sz="half" idx="1"/>
+            <p:ph sz="half" idx="1" hasCustomPrompt="1"/>
           </p:nvPr>
         </p:nvSpPr>
         <p:spPr>
@@ -3869,6 +3852,7 @@
               <a:rPr lang="zh-CN" altLang="en-US"/>
               <a:t>编辑母版文本样式</a:t>
             </a:r>
+            <a:endParaRPr lang="zh-CN" altLang="en-US"/>
           </a:p>
           <a:p>
             <a:pPr lvl="1"/>
@@ -3876,6 +3860,7 @@
               <a:rPr lang="zh-CN" altLang="en-US"/>
               <a:t>第二级</a:t>
             </a:r>
+            <a:endParaRPr lang="zh-CN" altLang="en-US"/>
           </a:p>
           <a:p>
             <a:pPr lvl="2"/>
@@ -3883,6 +3868,7 @@
               <a:rPr lang="zh-CN" altLang="en-US"/>
               <a:t>第三级</a:t>
             </a:r>
+            <a:endParaRPr lang="zh-CN" altLang="en-US"/>
           </a:p>
           <a:p>
             <a:pPr lvl="3"/>
@@ -3890,6 +3876,7 @@
               <a:rPr lang="zh-CN" altLang="en-US"/>
               <a:t>第四级</a:t>
             </a:r>
+            <a:endParaRPr lang="zh-CN" altLang="en-US"/>
           </a:p>
           <a:p>
             <a:pPr lvl="4"/>
@@ -3908,7 +3895,7 @@
             <a:spLocks noGrp="1"/>
           </p:cNvSpPr>
           <p:nvPr>
-            <p:ph sz="half" idx="2"/>
+            <p:ph sz="half" idx="2" hasCustomPrompt="1"/>
           </p:nvPr>
         </p:nvSpPr>
         <p:spPr>
@@ -3928,6 +3915,7 @@
               <a:rPr lang="zh-CN" altLang="en-US"/>
               <a:t>编辑母版文本样式</a:t>
             </a:r>
+            <a:endParaRPr lang="zh-CN" altLang="en-US"/>
           </a:p>
           <a:p>
             <a:pPr lvl="1"/>
@@ -3935,6 +3923,7 @@
               <a:rPr lang="zh-CN" altLang="en-US"/>
               <a:t>第二级</a:t>
             </a:r>
+            <a:endParaRPr lang="zh-CN" altLang="en-US"/>
           </a:p>
           <a:p>
             <a:pPr lvl="2"/>
@@ -3942,6 +3931,7 @@
               <a:rPr lang="zh-CN" altLang="en-US"/>
               <a:t>第三级</a:t>
             </a:r>
+            <a:endParaRPr lang="zh-CN" altLang="en-US"/>
           </a:p>
           <a:p>
             <a:pPr lvl="3"/>
@@ -3949,6 +3939,7 @@
               <a:rPr lang="zh-CN" altLang="en-US"/>
               <a:t>第四级</a:t>
             </a:r>
+            <a:endParaRPr lang="zh-CN" altLang="en-US"/>
           </a:p>
           <a:p>
             <a:pPr lvl="4"/>
@@ -3977,7 +3968,6 @@
           <a:p>
             <a:fld id="{80A25166-E56A-4195-A798-9112881CFE07}" type="datetimeFigureOut">
               <a:rPr lang="zh-CN" altLang="en-US" smtClean="0"/>
-              <a:t>2019/10/26</a:t>
             </a:fld>
             <a:endParaRPr lang="zh-CN" altLang="en-US"/>
           </a:p>
@@ -4106,18 +4096,12 @@
           <a:p>
             <a:fld id="{1163B88B-DE80-421C-9B56-8ED2607FAB6D}" type="slidenum">
               <a:rPr lang="zh-CN" altLang="en-US" smtClean="0"/>
-              <a:t>‹#›</a:t>
             </a:fld>
             <a:endParaRPr lang="zh-CN" altLang="en-US"/>
           </a:p>
         </p:txBody>
       </p:sp>
     </p:spTree>
-    <p:extLst>
-      <p:ext uri="{BB962C8B-B14F-4D97-AF65-F5344CB8AC3E}">
-        <p14:creationId xmlns:p14="http://schemas.microsoft.com/office/powerpoint/2010/main" val="3628085278"/>
-      </p:ext>
-    </p:extLst>
   </p:cSld>
   <p:clrMapOvr>
     <a:masterClrMapping/>
@@ -4172,7 +4156,7 @@
             <a:spLocks noGrp="1"/>
           </p:cNvSpPr>
           <p:nvPr>
-            <p:ph type="body" idx="1"/>
+            <p:ph type="body" idx="1" hasCustomPrompt="1"/>
           </p:nvPr>
         </p:nvSpPr>
         <p:spPr>
@@ -4229,6 +4213,7 @@
               <a:rPr lang="zh-CN" altLang="en-US"/>
               <a:t>编辑母版文本样式</a:t>
             </a:r>
+            <a:endParaRPr lang="zh-CN" altLang="en-US"/>
           </a:p>
         </p:txBody>
       </p:sp>
@@ -4239,7 +4224,7 @@
             <a:spLocks noGrp="1"/>
           </p:cNvSpPr>
           <p:nvPr>
-            <p:ph sz="half" idx="2"/>
+            <p:ph sz="half" idx="2" hasCustomPrompt="1"/>
           </p:nvPr>
         </p:nvSpPr>
         <p:spPr>
@@ -4259,6 +4244,7 @@
               <a:rPr lang="zh-CN" altLang="en-US"/>
               <a:t>编辑母版文本样式</a:t>
             </a:r>
+            <a:endParaRPr lang="zh-CN" altLang="en-US"/>
           </a:p>
           <a:p>
             <a:pPr lvl="1"/>
@@ -4266,6 +4252,7 @@
               <a:rPr lang="zh-CN" altLang="en-US"/>
               <a:t>第二级</a:t>
             </a:r>
+            <a:endParaRPr lang="zh-CN" altLang="en-US"/>
           </a:p>
           <a:p>
             <a:pPr lvl="2"/>
@@ -4273,6 +4260,7 @@
               <a:rPr lang="zh-CN" altLang="en-US"/>
               <a:t>第三级</a:t>
             </a:r>
+            <a:endParaRPr lang="zh-CN" altLang="en-US"/>
           </a:p>
           <a:p>
             <a:pPr lvl="3"/>
@@ -4280,6 +4268,7 @@
               <a:rPr lang="zh-CN" altLang="en-US"/>
               <a:t>第四级</a:t>
             </a:r>
+            <a:endParaRPr lang="zh-CN" altLang="en-US"/>
           </a:p>
           <a:p>
             <a:pPr lvl="4"/>
@@ -4298,7 +4287,7 @@
             <a:spLocks noGrp="1"/>
           </p:cNvSpPr>
           <p:nvPr>
-            <p:ph type="body" sz="quarter" idx="3"/>
+            <p:ph type="body" sz="quarter" idx="3" hasCustomPrompt="1"/>
           </p:nvPr>
         </p:nvSpPr>
         <p:spPr>
@@ -4355,6 +4344,7 @@
               <a:rPr lang="zh-CN" altLang="en-US"/>
               <a:t>编辑母版文本样式</a:t>
             </a:r>
+            <a:endParaRPr lang="zh-CN" altLang="en-US"/>
           </a:p>
         </p:txBody>
       </p:sp>
@@ -4365,7 +4355,7 @@
             <a:spLocks noGrp="1"/>
           </p:cNvSpPr>
           <p:nvPr>
-            <p:ph sz="quarter" idx="4"/>
+            <p:ph sz="quarter" idx="4" hasCustomPrompt="1"/>
           </p:nvPr>
         </p:nvSpPr>
         <p:spPr>
@@ -4385,6 +4375,7 @@
               <a:rPr lang="zh-CN" altLang="en-US"/>
               <a:t>编辑母版文本样式</a:t>
             </a:r>
+            <a:endParaRPr lang="zh-CN" altLang="en-US"/>
           </a:p>
           <a:p>
             <a:pPr lvl="1"/>
@@ -4392,6 +4383,7 @@
               <a:rPr lang="zh-CN" altLang="en-US"/>
               <a:t>第二级</a:t>
             </a:r>
+            <a:endParaRPr lang="zh-CN" altLang="en-US"/>
           </a:p>
           <a:p>
             <a:pPr lvl="2"/>
@@ -4399,6 +4391,7 @@
               <a:rPr lang="zh-CN" altLang="en-US"/>
               <a:t>第三级</a:t>
             </a:r>
+            <a:endParaRPr lang="zh-CN" altLang="en-US"/>
           </a:p>
           <a:p>
             <a:pPr lvl="3"/>
@@ -4406,6 +4399,7 @@
               <a:rPr lang="zh-CN" altLang="en-US"/>
               <a:t>第四级</a:t>
             </a:r>
+            <a:endParaRPr lang="zh-CN" altLang="en-US"/>
           </a:p>
           <a:p>
             <a:pPr lvl="4"/>
@@ -4434,7 +4428,6 @@
           <a:p>
             <a:fld id="{80A25166-E56A-4195-A798-9112881CFE07}" type="datetimeFigureOut">
               <a:rPr lang="zh-CN" altLang="en-US" smtClean="0"/>
-              <a:t>2019/10/26</a:t>
             </a:fld>
             <a:endParaRPr lang="zh-CN" altLang="en-US"/>
           </a:p>
@@ -4563,18 +4556,12 @@
           <a:p>
             <a:fld id="{1163B88B-DE80-421C-9B56-8ED2607FAB6D}" type="slidenum">
               <a:rPr lang="zh-CN" altLang="en-US" smtClean="0"/>
-              <a:t>‹#›</a:t>
             </a:fld>
             <a:endParaRPr lang="zh-CN" altLang="en-US"/>
           </a:p>
         </p:txBody>
       </p:sp>
     </p:spTree>
-    <p:extLst>
-      <p:ext uri="{BB962C8B-B14F-4D97-AF65-F5344CB8AC3E}">
-        <p14:creationId xmlns:p14="http://schemas.microsoft.com/office/powerpoint/2010/main" val="356095129"/>
-      </p:ext>
-    </p:extLst>
   </p:cSld>
   <p:clrMapOvr>
     <a:masterClrMapping/>
@@ -4639,7 +4626,6 @@
           <a:p>
             <a:fld id="{80A25166-E56A-4195-A798-9112881CFE07}" type="datetimeFigureOut">
               <a:rPr lang="zh-CN" altLang="en-US" smtClean="0"/>
-              <a:t>2019/10/26</a:t>
             </a:fld>
             <a:endParaRPr lang="zh-CN" altLang="en-US"/>
           </a:p>
@@ -4763,18 +4749,12 @@
           <a:p>
             <a:fld id="{1163B88B-DE80-421C-9B56-8ED2607FAB6D}" type="slidenum">
               <a:rPr lang="zh-CN" altLang="en-US" smtClean="0"/>
-              <a:t>‹#›</a:t>
             </a:fld>
             <a:endParaRPr lang="zh-CN" altLang="en-US"/>
           </a:p>
         </p:txBody>
       </p:sp>
     </p:spTree>
-    <p:extLst>
-      <p:ext uri="{BB962C8B-B14F-4D97-AF65-F5344CB8AC3E}">
-        <p14:creationId xmlns:p14="http://schemas.microsoft.com/office/powerpoint/2010/main" val="3213995504"/>
-      </p:ext>
-    </p:extLst>
   </p:cSld>
   <p:clrMapOvr>
     <a:masterClrMapping/>
@@ -4816,7 +4796,6 @@
           <a:p>
             <a:fld id="{80A25166-E56A-4195-A798-9112881CFE07}" type="datetimeFigureOut">
               <a:rPr lang="zh-CN" altLang="en-US" smtClean="0"/>
-              <a:t>2019/10/26</a:t>
             </a:fld>
             <a:endParaRPr lang="zh-CN" altLang="en-US"/>
           </a:p>
@@ -4940,18 +4919,12 @@
           <a:p>
             <a:fld id="{1163B88B-DE80-421C-9B56-8ED2607FAB6D}" type="slidenum">
               <a:rPr lang="zh-CN" altLang="en-US" smtClean="0"/>
-              <a:t>‹#›</a:t>
             </a:fld>
             <a:endParaRPr lang="zh-CN" altLang="en-US"/>
           </a:p>
         </p:txBody>
       </p:sp>
     </p:spTree>
-    <p:extLst>
-      <p:ext uri="{BB962C8B-B14F-4D97-AF65-F5344CB8AC3E}">
-        <p14:creationId xmlns:p14="http://schemas.microsoft.com/office/powerpoint/2010/main" val="2328950299"/>
-      </p:ext>
-    </p:extLst>
   </p:cSld>
   <p:clrMapOvr>
     <a:masterClrMapping/>
@@ -5015,7 +4988,7 @@
             <a:spLocks noGrp="1"/>
           </p:cNvSpPr>
           <p:nvPr>
-            <p:ph idx="1"/>
+            <p:ph idx="1" hasCustomPrompt="1"/>
           </p:nvPr>
         </p:nvSpPr>
         <p:spPr>
@@ -5035,6 +5008,7 @@
               <a:rPr lang="zh-CN" altLang="en-US"/>
               <a:t>编辑母版文本样式</a:t>
             </a:r>
+            <a:endParaRPr lang="zh-CN" altLang="en-US"/>
           </a:p>
           <a:p>
             <a:pPr lvl="1"/>
@@ -5042,6 +5016,7 @@
               <a:rPr lang="zh-CN" altLang="en-US"/>
               <a:t>第二级</a:t>
             </a:r>
+            <a:endParaRPr lang="zh-CN" altLang="en-US"/>
           </a:p>
           <a:p>
             <a:pPr lvl="2"/>
@@ -5049,6 +5024,7 @@
               <a:rPr lang="zh-CN" altLang="en-US"/>
               <a:t>第三级</a:t>
             </a:r>
+            <a:endParaRPr lang="zh-CN" altLang="en-US"/>
           </a:p>
           <a:p>
             <a:pPr lvl="3"/>
@@ -5056,6 +5032,7 @@
               <a:rPr lang="zh-CN" altLang="en-US"/>
               <a:t>第四级</a:t>
             </a:r>
+            <a:endParaRPr lang="zh-CN" altLang="en-US"/>
           </a:p>
           <a:p>
             <a:pPr lvl="4"/>
@@ -5074,7 +5051,7 @@
             <a:spLocks noGrp="1"/>
           </p:cNvSpPr>
           <p:nvPr>
-            <p:ph type="body" sz="half" idx="2"/>
+            <p:ph type="body" sz="half" idx="2" hasCustomPrompt="1"/>
           </p:nvPr>
         </p:nvSpPr>
         <p:spPr>
@@ -5129,6 +5106,7 @@
               <a:rPr lang="zh-CN" altLang="en-US"/>
               <a:t>编辑母版文本样式</a:t>
             </a:r>
+            <a:endParaRPr lang="zh-CN" altLang="en-US"/>
           </a:p>
         </p:txBody>
       </p:sp>
@@ -5149,7 +5127,6 @@
           <a:p>
             <a:fld id="{80A25166-E56A-4195-A798-9112881CFE07}" type="datetimeFigureOut">
               <a:rPr lang="zh-CN" altLang="en-US" smtClean="0"/>
-              <a:t>2019/10/26</a:t>
             </a:fld>
             <a:endParaRPr lang="zh-CN" altLang="en-US"/>
           </a:p>
@@ -5273,18 +5250,12 @@
           <a:p>
             <a:fld id="{1163B88B-DE80-421C-9B56-8ED2607FAB6D}" type="slidenum">
               <a:rPr lang="zh-CN" altLang="en-US" smtClean="0"/>
-              <a:t>‹#›</a:t>
             </a:fld>
             <a:endParaRPr lang="zh-CN" altLang="en-US"/>
           </a:p>
         </p:txBody>
       </p:sp>
     </p:spTree>
-    <p:extLst>
-      <p:ext uri="{BB962C8B-B14F-4D97-AF65-F5344CB8AC3E}">
-        <p14:creationId xmlns:p14="http://schemas.microsoft.com/office/powerpoint/2010/main" val="2776518981"/>
-      </p:ext>
-    </p:extLst>
   </p:cSld>
   <p:clrMapOvr>
     <a:masterClrMapping/>
@@ -5417,7 +5388,7 @@
             <a:spLocks noGrp="1"/>
           </p:cNvSpPr>
           <p:nvPr>
-            <p:ph type="body" sz="half" idx="2"/>
+            <p:ph type="body" sz="half" idx="2" hasCustomPrompt="1"/>
           </p:nvPr>
         </p:nvSpPr>
         <p:spPr>
@@ -5474,6 +5445,7 @@
               <a:rPr lang="zh-CN" altLang="en-US"/>
               <a:t>编辑母版文本样式</a:t>
             </a:r>
+            <a:endParaRPr lang="zh-CN" altLang="en-US"/>
           </a:p>
         </p:txBody>
       </p:sp>
@@ -5494,7 +5466,6 @@
           <a:p>
             <a:fld id="{80A25166-E56A-4195-A798-9112881CFE07}" type="datetimeFigureOut">
               <a:rPr lang="zh-CN" altLang="en-US" smtClean="0"/>
-              <a:t>2019/10/26</a:t>
             </a:fld>
             <a:endParaRPr lang="zh-CN" altLang="en-US"/>
           </a:p>
@@ -5623,18 +5594,12 @@
           <a:p>
             <a:fld id="{1163B88B-DE80-421C-9B56-8ED2607FAB6D}" type="slidenum">
               <a:rPr lang="zh-CN" altLang="en-US" smtClean="0"/>
-              <a:t>‹#›</a:t>
             </a:fld>
             <a:endParaRPr lang="zh-CN" altLang="en-US"/>
           </a:p>
         </p:txBody>
       </p:sp>
     </p:spTree>
-    <p:extLst>
-      <p:ext uri="{BB962C8B-B14F-4D97-AF65-F5344CB8AC3E}">
-        <p14:creationId xmlns:p14="http://schemas.microsoft.com/office/powerpoint/2010/main" val="1295077255"/>
-      </p:ext>
-    </p:extLst>
   </p:cSld>
   <p:clrMapOvr>
     <a:masterClrMapping/>
@@ -7544,6 +7509,7 @@
               <a:rPr lang="zh-CN" altLang="en-US"/>
               <a:t>编辑母版文本样式</a:t>
             </a:r>
+            <a:endParaRPr lang="zh-CN" altLang="en-US"/>
           </a:p>
           <a:p>
             <a:pPr lvl="1"/>
@@ -7551,6 +7517,7 @@
               <a:rPr lang="zh-CN" altLang="en-US"/>
               <a:t>第二级</a:t>
             </a:r>
+            <a:endParaRPr lang="zh-CN" altLang="en-US"/>
           </a:p>
           <a:p>
             <a:pPr lvl="2"/>
@@ -7558,6 +7525,7 @@
               <a:rPr lang="zh-CN" altLang="en-US"/>
               <a:t>第三级</a:t>
             </a:r>
+            <a:endParaRPr lang="zh-CN" altLang="en-US"/>
           </a:p>
           <a:p>
             <a:pPr lvl="3"/>
@@ -7565,6 +7533,7 @@
               <a:rPr lang="zh-CN" altLang="en-US"/>
               <a:t>第四级</a:t>
             </a:r>
+            <a:endParaRPr lang="zh-CN" altLang="en-US"/>
           </a:p>
           <a:p>
             <a:pPr lvl="4"/>
@@ -7611,7 +7580,6 @@
           <a:p>
             <a:fld id="{80A25166-E56A-4195-A798-9112881CFE07}" type="datetimeFigureOut">
               <a:rPr lang="zh-CN" altLang="en-US" smtClean="0"/>
-              <a:t>2019/10/26</a:t>
             </a:fld>
             <a:endParaRPr lang="zh-CN" altLang="en-US"/>
           </a:p>
@@ -7687,37 +7655,31 @@
           <a:p>
             <a:fld id="{1163B88B-DE80-421C-9B56-8ED2607FAB6D}" type="slidenum">
               <a:rPr lang="zh-CN" altLang="en-US" smtClean="0"/>
-              <a:t>‹#›</a:t>
             </a:fld>
             <a:endParaRPr lang="zh-CN" altLang="en-US"/>
           </a:p>
         </p:txBody>
       </p:sp>
     </p:spTree>
-    <p:extLst>
-      <p:ext uri="{BB962C8B-B14F-4D97-AF65-F5344CB8AC3E}">
-        <p14:creationId xmlns:p14="http://schemas.microsoft.com/office/powerpoint/2010/main" val="941997266"/>
-      </p:ext>
-    </p:extLst>
   </p:cSld>
   <p:clrMap bg1="lt1" tx1="dk1" bg2="lt2" tx2="dk2" accent1="accent1" accent2="accent2" accent3="accent3" accent4="accent4" accent5="accent5" accent6="accent6" hlink="hlink" folHlink="folHlink"/>
   <p:sldLayoutIdLst>
-    <p:sldLayoutId id="2147483661" r:id="rId1"/>
-    <p:sldLayoutId id="2147483662" r:id="rId2"/>
-    <p:sldLayoutId id="2147483663" r:id="rId3"/>
-    <p:sldLayoutId id="2147483664" r:id="rId4"/>
-    <p:sldLayoutId id="2147483665" r:id="rId5"/>
-    <p:sldLayoutId id="2147483666" r:id="rId6"/>
-    <p:sldLayoutId id="2147483667" r:id="rId7"/>
-    <p:sldLayoutId id="2147483668" r:id="rId8"/>
-    <p:sldLayoutId id="2147483669" r:id="rId9"/>
-    <p:sldLayoutId id="2147483670" r:id="rId10"/>
-    <p:sldLayoutId id="2147483671" r:id="rId11"/>
-    <p:sldLayoutId id="2147483672" r:id="rId12"/>
-    <p:sldLayoutId id="2147483673" r:id="rId13"/>
-    <p:sldLayoutId id="2147483674" r:id="rId14"/>
-    <p:sldLayoutId id="2147483675" r:id="rId15"/>
-    <p:sldLayoutId id="2147483676" r:id="rId16"/>
+    <p:sldLayoutId id="2147483649" r:id="rId1"/>
+    <p:sldLayoutId id="2147483650" r:id="rId2"/>
+    <p:sldLayoutId id="2147483651" r:id="rId3"/>
+    <p:sldLayoutId id="2147483652" r:id="rId4"/>
+    <p:sldLayoutId id="2147483653" r:id="rId5"/>
+    <p:sldLayoutId id="2147483654" r:id="rId6"/>
+    <p:sldLayoutId id="2147483655" r:id="rId7"/>
+    <p:sldLayoutId id="2147483656" r:id="rId8"/>
+    <p:sldLayoutId id="2147483657" r:id="rId9"/>
+    <p:sldLayoutId id="2147483658" r:id="rId10"/>
+    <p:sldLayoutId id="2147483659" r:id="rId11"/>
+    <p:sldLayoutId id="2147483660" r:id="rId12"/>
+    <p:sldLayoutId id="2147483661" r:id="rId13"/>
+    <p:sldLayoutId id="2147483662" r:id="rId14"/>
+    <p:sldLayoutId id="2147483663" r:id="rId15"/>
+    <p:sldLayoutId id="2147483664" r:id="rId16"/>
   </p:sldLayoutIdLst>
   <p:txStyles>
     <p:titleStyle>
@@ -7806,7 +7768,7 @@
         <a:buClr>
           <a:schemeClr val="accent1"/>
         </a:buClr>
-        <a:buFont typeface="Wingdings 3" charset="2"/>
+        <a:buFont typeface="Wingdings 3" panose="05040102010807070707" charset="2"/>
         <a:buChar char=""/>
         <a:defRPr sz="1800" kern="1200">
           <a:solidFill>
@@ -7830,7 +7792,7 @@
         <a:buClr>
           <a:schemeClr val="accent1"/>
         </a:buClr>
-        <a:buFont typeface="Wingdings 3" charset="2"/>
+        <a:buFont typeface="Wingdings 3" panose="05040102010807070707" charset="2"/>
         <a:buChar char=""/>
         <a:defRPr sz="1600" kern="1200">
           <a:solidFill>
@@ -7854,7 +7816,7 @@
         <a:buClr>
           <a:schemeClr val="accent1"/>
         </a:buClr>
-        <a:buFont typeface="Wingdings 3" charset="2"/>
+        <a:buFont typeface="Wingdings 3" panose="05040102010807070707" charset="2"/>
         <a:buChar char=""/>
         <a:defRPr sz="1400" kern="1200">
           <a:solidFill>
@@ -7878,7 +7840,7 @@
         <a:buClr>
           <a:schemeClr val="accent1"/>
         </a:buClr>
-        <a:buFont typeface="Wingdings 3" charset="2"/>
+        <a:buFont typeface="Wingdings 3" panose="05040102010807070707" charset="2"/>
         <a:buChar char=""/>
         <a:defRPr sz="1200" kern="1200">
           <a:solidFill>
@@ -7902,7 +7864,7 @@
         <a:buClr>
           <a:schemeClr val="accent1"/>
         </a:buClr>
-        <a:buFont typeface="Wingdings 3" charset="2"/>
+        <a:buFont typeface="Wingdings 3" panose="05040102010807070707" charset="2"/>
         <a:buChar char=""/>
         <a:defRPr sz="1200" kern="1200">
           <a:solidFill>
@@ -7926,7 +7888,7 @@
         <a:buClr>
           <a:schemeClr val="accent1"/>
         </a:buClr>
-        <a:buFont typeface="Wingdings 3" charset="2"/>
+        <a:buFont typeface="Wingdings 3" panose="05040102010807070707" charset="2"/>
         <a:buChar char=""/>
         <a:defRPr sz="1200" kern="1200">
           <a:solidFill>
@@ -7950,7 +7912,7 @@
         <a:buClr>
           <a:schemeClr val="accent1"/>
         </a:buClr>
-        <a:buFont typeface="Wingdings 3" charset="2"/>
+        <a:buFont typeface="Wingdings 3" panose="05040102010807070707" charset="2"/>
         <a:buChar char=""/>
         <a:defRPr sz="1200" kern="1200">
           <a:solidFill>
@@ -7974,7 +7936,7 @@
         <a:buClr>
           <a:schemeClr val="accent1"/>
         </a:buClr>
-        <a:buFont typeface="Wingdings 3" charset="2"/>
+        <a:buFont typeface="Wingdings 3" panose="05040102010807070707" charset="2"/>
         <a:buChar char=""/>
         <a:defRPr sz="1200" kern="1200">
           <a:solidFill>
@@ -7998,7 +7960,7 @@
         <a:buClr>
           <a:schemeClr val="accent1"/>
         </a:buClr>
-        <a:buFont typeface="Wingdings 3" charset="2"/>
+        <a:buFont typeface="Wingdings 3" panose="05040102010807070707" charset="2"/>
         <a:buChar char=""/>
         <a:defRPr sz="1200" kern="1200">
           <a:solidFill>
@@ -8131,13 +8093,7 @@
       </p:grpSpPr>
       <p:sp>
         <p:nvSpPr>
-          <p:cNvPr id="2" name="标题 1">
-            <a:extLst>
-              <a:ext uri="{FF2B5EF4-FFF2-40B4-BE49-F238E27FC236}">
-                <a16:creationId xmlns:a16="http://schemas.microsoft.com/office/drawing/2014/main" id="{584A018F-AECB-4A72-A9B8-80A223FD8198}"/>
-              </a:ext>
-            </a:extLst>
-          </p:cNvPr>
+          <p:cNvPr id="2" name="标题 1"/>
           <p:cNvSpPr>
             <a:spLocks noGrp="1"/>
           </p:cNvSpPr>
@@ -8168,18 +8124,19 @@
               </a:rPr>
               <a:t>中国历史思维导图</a:t>
             </a:r>
-          </a:p>
-        </p:txBody>
-      </p:sp>
-      <p:sp>
-        <p:nvSpPr>
-          <p:cNvPr id="3" name="副标题 2">
-            <a:extLst>
-              <a:ext uri="{FF2B5EF4-FFF2-40B4-BE49-F238E27FC236}">
-                <a16:creationId xmlns:a16="http://schemas.microsoft.com/office/drawing/2014/main" id="{B77208E5-F759-4969-8886-CFAC9DCE597D}"/>
-              </a:ext>
-            </a:extLst>
-          </p:cNvPr>
+            <a:endParaRPr lang="zh-CN" altLang="en-US" sz="7200" dirty="0">
+              <a:solidFill>
+                <a:srgbClr val="002060"/>
+              </a:solidFill>
+              <a:latin typeface="华文行楷" panose="02010800040101010101" pitchFamily="2" charset="-122"/>
+              <a:ea typeface="华文行楷" panose="02010800040101010101" pitchFamily="2" charset="-122"/>
+            </a:endParaRPr>
+          </a:p>
+        </p:txBody>
+      </p:sp>
+      <p:sp>
+        <p:nvSpPr>
+          <p:cNvPr id="3" name="副标题 2"/>
           <p:cNvSpPr>
             <a:spLocks noGrp="1"/>
           </p:cNvSpPr>
@@ -8200,15 +8157,14 @@
               </a:rPr>
               <a:t>八年级上册</a:t>
             </a:r>
+            <a:endParaRPr lang="zh-CN" altLang="en-US" dirty="0">
+              <a:latin typeface="华文楷体" panose="02010600040101010101" pitchFamily="2" charset="-122"/>
+              <a:ea typeface="华文楷体" panose="02010600040101010101" pitchFamily="2" charset="-122"/>
+            </a:endParaRPr>
           </a:p>
         </p:txBody>
       </p:sp>
     </p:spTree>
-    <p:extLst>
-      <p:ext uri="{BB962C8B-B14F-4D97-AF65-F5344CB8AC3E}">
-        <p14:creationId xmlns:p14="http://schemas.microsoft.com/office/powerpoint/2010/main" val="1462974770"/>
-      </p:ext>
-    </p:extLst>
   </p:cSld>
   <p:clrMapOvr>
     <a:masterClrMapping/>
@@ -8235,13 +8191,7 @@
       </p:grpSpPr>
       <p:sp>
         <p:nvSpPr>
-          <p:cNvPr id="2" name="标题 1">
-            <a:extLst>
-              <a:ext uri="{FF2B5EF4-FFF2-40B4-BE49-F238E27FC236}">
-                <a16:creationId xmlns:a16="http://schemas.microsoft.com/office/drawing/2014/main" id="{CBB41D0E-1FF3-47DE-AF73-CA02D689D4DC}"/>
-              </a:ext>
-            </a:extLst>
-          </p:cNvPr>
+          <p:cNvPr id="2" name="标题 1"/>
           <p:cNvSpPr>
             <a:spLocks noGrp="1"/>
           </p:cNvSpPr>
@@ -8279,18 +8229,19 @@
               </a:rPr>
               <a:t>民族资本主义和教育、科技、思想、艺术成就</a:t>
             </a:r>
+            <a:endParaRPr lang="zh-CN" altLang="en-US" dirty="0">
+              <a:solidFill>
+                <a:srgbClr val="C00000"/>
+              </a:solidFill>
+              <a:latin typeface="华文行楷" panose="02010800040101010101" pitchFamily="2" charset="-122"/>
+              <a:ea typeface="华文行楷" panose="02010800040101010101" pitchFamily="2" charset="-122"/>
+            </a:endParaRPr>
           </a:p>
         </p:txBody>
       </p:sp>
       <p:pic>
         <p:nvPicPr>
-          <p:cNvPr id="5" name="内容占位符 4">
-            <a:extLst>
-              <a:ext uri="{FF2B5EF4-FFF2-40B4-BE49-F238E27FC236}">
-                <a16:creationId xmlns:a16="http://schemas.microsoft.com/office/drawing/2014/main" id="{9736391E-D6FC-42AC-B0DC-AABC0CB9DD15}"/>
-              </a:ext>
-            </a:extLst>
-          </p:cNvPr>
+          <p:cNvPr id="5" name="内容占位符 4"/>
           <p:cNvPicPr>
             <a:picLocks noGrp="1" noChangeAspect="1"/>
           </p:cNvPicPr>
@@ -8299,7 +8250,7 @@
           </p:nvPr>
         </p:nvPicPr>
         <p:blipFill>
-          <a:blip r:embed="rId2">
+          <a:blip r:embed="rId1">
             <a:extLst>
               <a:ext uri="{28A0092B-C50C-407E-A947-70E740481C1C}">
                 <a14:useLocalDpi xmlns:a14="http://schemas.microsoft.com/office/drawing/2010/main" val="0"/>
@@ -8312,17 +8263,12 @@
         </p:blipFill>
         <p:spPr>
           <a:xfrm>
-            <a:off x="2205723" y="1726163"/>
+            <a:off x="1973948" y="1417553"/>
             <a:ext cx="9986277" cy="5131837"/>
           </a:xfrm>
         </p:spPr>
       </p:pic>
     </p:spTree>
-    <p:extLst>
-      <p:ext uri="{BB962C8B-B14F-4D97-AF65-F5344CB8AC3E}">
-        <p14:creationId xmlns:p14="http://schemas.microsoft.com/office/powerpoint/2010/main" val="2224369336"/>
-      </p:ext>
-    </p:extLst>
   </p:cSld>
   <p:clrMapOvr>
     <a:masterClrMapping/>
@@ -8349,13 +8295,7 @@
       </p:grpSpPr>
       <p:sp>
         <p:nvSpPr>
-          <p:cNvPr id="2" name="标题 1">
-            <a:extLst>
-              <a:ext uri="{FF2B5EF4-FFF2-40B4-BE49-F238E27FC236}">
-                <a16:creationId xmlns:a16="http://schemas.microsoft.com/office/drawing/2014/main" id="{7CF8BBDF-7244-4578-9D9E-34FF89356C53}"/>
-              </a:ext>
-            </a:extLst>
-          </p:cNvPr>
+          <p:cNvPr id="2" name="标题 1"/>
           <p:cNvSpPr>
             <a:spLocks noGrp="1"/>
           </p:cNvSpPr>
@@ -8393,18 +8333,19 @@
               </a:rPr>
               <a:t>社会主义建设的历程</a:t>
             </a:r>
+            <a:endParaRPr lang="zh-CN" altLang="en-US" dirty="0">
+              <a:solidFill>
+                <a:srgbClr val="C00000"/>
+              </a:solidFill>
+              <a:latin typeface="华文行楷" panose="02010800040101010101" pitchFamily="2" charset="-122"/>
+              <a:ea typeface="华文行楷" panose="02010800040101010101" pitchFamily="2" charset="-122"/>
+            </a:endParaRPr>
           </a:p>
         </p:txBody>
       </p:sp>
       <p:pic>
         <p:nvPicPr>
-          <p:cNvPr id="5" name="内容占位符 4">
-            <a:extLst>
-              <a:ext uri="{FF2B5EF4-FFF2-40B4-BE49-F238E27FC236}">
-                <a16:creationId xmlns:a16="http://schemas.microsoft.com/office/drawing/2014/main" id="{2664F070-2739-405D-AA08-3FC104E6D485}"/>
-              </a:ext>
-            </a:extLst>
-          </p:cNvPr>
+          <p:cNvPr id="5" name="内容占位符 4"/>
           <p:cNvPicPr>
             <a:picLocks noGrp="1" noChangeAspect="1"/>
           </p:cNvPicPr>
@@ -8413,7 +8354,7 @@
           </p:nvPr>
         </p:nvPicPr>
         <p:blipFill>
-          <a:blip r:embed="rId2">
+          <a:blip r:embed="rId1">
             <a:extLst>
               <a:ext uri="{28A0092B-C50C-407E-A947-70E740481C1C}">
                 <a14:useLocalDpi xmlns:a14="http://schemas.microsoft.com/office/drawing/2010/main" val="0"/>
@@ -8432,11 +8373,6 @@
         </p:spPr>
       </p:pic>
     </p:spTree>
-    <p:extLst>
-      <p:ext uri="{BB962C8B-B14F-4D97-AF65-F5344CB8AC3E}">
-        <p14:creationId xmlns:p14="http://schemas.microsoft.com/office/powerpoint/2010/main" val="2858722550"/>
-      </p:ext>
-    </p:extLst>
   </p:cSld>
   <p:clrMapOvr>
     <a:masterClrMapping/>
@@ -8463,13 +8399,7 @@
       </p:grpSpPr>
       <p:sp>
         <p:nvSpPr>
-          <p:cNvPr id="2" name="标题 1">
-            <a:extLst>
-              <a:ext uri="{FF2B5EF4-FFF2-40B4-BE49-F238E27FC236}">
-                <a16:creationId xmlns:a16="http://schemas.microsoft.com/office/drawing/2014/main" id="{F86C190E-5D26-426B-AE98-5AC60A5370D3}"/>
-              </a:ext>
-            </a:extLst>
-          </p:cNvPr>
+          <p:cNvPr id="2" name="标题 1"/>
           <p:cNvSpPr>
             <a:spLocks noGrp="1"/>
           </p:cNvSpPr>
@@ -8507,18 +8437,19 @@
               </a:rPr>
               <a:t>新中国的成立和巩固</a:t>
             </a:r>
+            <a:endParaRPr lang="zh-CN" altLang="en-US" dirty="0">
+              <a:solidFill>
+                <a:srgbClr val="C00000"/>
+              </a:solidFill>
+              <a:latin typeface="华文行楷" panose="02010800040101010101" pitchFamily="2" charset="-122"/>
+              <a:ea typeface="华文行楷" panose="02010800040101010101" pitchFamily="2" charset="-122"/>
+            </a:endParaRPr>
           </a:p>
         </p:txBody>
       </p:sp>
       <p:pic>
         <p:nvPicPr>
-          <p:cNvPr id="5" name="内容占位符 4">
-            <a:extLst>
-              <a:ext uri="{FF2B5EF4-FFF2-40B4-BE49-F238E27FC236}">
-                <a16:creationId xmlns:a16="http://schemas.microsoft.com/office/drawing/2014/main" id="{08DBB4F0-5CFF-48F6-8500-3D749F5F3932}"/>
-              </a:ext>
-            </a:extLst>
-          </p:cNvPr>
+          <p:cNvPr id="5" name="内容占位符 4"/>
           <p:cNvPicPr>
             <a:picLocks noGrp="1" noChangeAspect="1"/>
           </p:cNvPicPr>
@@ -8527,7 +8458,7 @@
           </p:nvPr>
         </p:nvPicPr>
         <p:blipFill>
-          <a:blip r:embed="rId2">
+          <a:blip r:embed="rId1">
             <a:extLst>
               <a:ext uri="{28A0092B-C50C-407E-A947-70E740481C1C}">
                 <a14:useLocalDpi xmlns:a14="http://schemas.microsoft.com/office/drawing/2010/main" val="0"/>
@@ -8546,11 +8477,6 @@
         </p:spPr>
       </p:pic>
     </p:spTree>
-    <p:extLst>
-      <p:ext uri="{BB962C8B-B14F-4D97-AF65-F5344CB8AC3E}">
-        <p14:creationId xmlns:p14="http://schemas.microsoft.com/office/powerpoint/2010/main" val="647150076"/>
-      </p:ext>
-    </p:extLst>
   </p:cSld>
   <p:clrMapOvr>
     <a:masterClrMapping/>
@@ -8577,13 +8503,7 @@
       </p:grpSpPr>
       <p:sp>
         <p:nvSpPr>
-          <p:cNvPr id="2" name="标题 1">
-            <a:extLst>
-              <a:ext uri="{FF2B5EF4-FFF2-40B4-BE49-F238E27FC236}">
-                <a16:creationId xmlns:a16="http://schemas.microsoft.com/office/drawing/2014/main" id="{54BF90DC-71C2-4A53-9450-716C40DDD8CB}"/>
-              </a:ext>
-            </a:extLst>
-          </p:cNvPr>
+          <p:cNvPr id="2" name="标题 1"/>
           <p:cNvSpPr>
             <a:spLocks noGrp="1"/>
           </p:cNvSpPr>
@@ -8621,18 +8541,19 @@
               </a:rPr>
               <a:t>社会主义建设的探索时期</a:t>
             </a:r>
+            <a:endParaRPr lang="zh-CN" altLang="en-US" dirty="0">
+              <a:solidFill>
+                <a:srgbClr val="C00000"/>
+              </a:solidFill>
+              <a:latin typeface="华文行楷" panose="02010800040101010101" pitchFamily="2" charset="-122"/>
+              <a:ea typeface="华文行楷" panose="02010800040101010101" pitchFamily="2" charset="-122"/>
+            </a:endParaRPr>
           </a:p>
         </p:txBody>
       </p:sp>
       <p:pic>
         <p:nvPicPr>
-          <p:cNvPr id="5" name="内容占位符 4">
-            <a:extLst>
-              <a:ext uri="{FF2B5EF4-FFF2-40B4-BE49-F238E27FC236}">
-                <a16:creationId xmlns:a16="http://schemas.microsoft.com/office/drawing/2014/main" id="{DD8F56A7-E667-492B-A37B-948F7104F564}"/>
-              </a:ext>
-            </a:extLst>
-          </p:cNvPr>
+          <p:cNvPr id="5" name="内容占位符 4"/>
           <p:cNvPicPr>
             <a:picLocks noGrp="1" noChangeAspect="1"/>
           </p:cNvPicPr>
@@ -8641,7 +8562,7 @@
           </p:nvPr>
         </p:nvPicPr>
         <p:blipFill>
-          <a:blip r:embed="rId3">
+          <a:blip r:embed="rId1">
             <a:extLst>
               <a:ext uri="{28A0092B-C50C-407E-A947-70E740481C1C}">
                 <a14:useLocalDpi xmlns:a14="http://schemas.microsoft.com/office/drawing/2010/main" val="0"/>
@@ -8660,11 +8581,6 @@
         </p:spPr>
       </p:pic>
     </p:spTree>
-    <p:extLst>
-      <p:ext uri="{BB962C8B-B14F-4D97-AF65-F5344CB8AC3E}">
-        <p14:creationId xmlns:p14="http://schemas.microsoft.com/office/powerpoint/2010/main" val="413522178"/>
-      </p:ext>
-    </p:extLst>
   </p:cSld>
   <p:clrMapOvr>
     <a:masterClrMapping/>
@@ -8691,13 +8607,7 @@
       </p:grpSpPr>
       <p:sp>
         <p:nvSpPr>
-          <p:cNvPr id="2" name="标题 1">
-            <a:extLst>
-              <a:ext uri="{FF2B5EF4-FFF2-40B4-BE49-F238E27FC236}">
-                <a16:creationId xmlns:a16="http://schemas.microsoft.com/office/drawing/2014/main" id="{1A8E09D5-CB61-49F6-AE58-505094A838CE}"/>
-              </a:ext>
-            </a:extLst>
-          </p:cNvPr>
+          <p:cNvPr id="2" name="标题 1"/>
           <p:cNvSpPr>
             <a:spLocks noGrp="1"/>
           </p:cNvSpPr>
@@ -8737,18 +8647,19 @@
               </a:rPr>
               <a:t>社会主义现代化建设新时期</a:t>
             </a:r>
+            <a:endParaRPr lang="zh-CN" altLang="en-US" dirty="0">
+              <a:solidFill>
+                <a:srgbClr val="C00000"/>
+              </a:solidFill>
+              <a:latin typeface="华文行楷" panose="02010800040101010101" pitchFamily="2" charset="-122"/>
+              <a:ea typeface="华文行楷" panose="02010800040101010101" pitchFamily="2" charset="-122"/>
+            </a:endParaRPr>
           </a:p>
         </p:txBody>
       </p:sp>
       <p:pic>
         <p:nvPicPr>
-          <p:cNvPr id="5" name="内容占位符 4">
-            <a:extLst>
-              <a:ext uri="{FF2B5EF4-FFF2-40B4-BE49-F238E27FC236}">
-                <a16:creationId xmlns:a16="http://schemas.microsoft.com/office/drawing/2014/main" id="{1C36887C-F7E9-4048-997B-01FA6E45C4D9}"/>
-              </a:ext>
-            </a:extLst>
-          </p:cNvPr>
+          <p:cNvPr id="5" name="内容占位符 4"/>
           <p:cNvPicPr>
             <a:picLocks noGrp="1" noChangeAspect="1"/>
           </p:cNvPicPr>
@@ -8757,7 +8668,7 @@
           </p:nvPr>
         </p:nvPicPr>
         <p:blipFill>
-          <a:blip r:embed="rId2">
+          <a:blip r:embed="rId1">
             <a:extLst>
               <a:ext uri="{28A0092B-C50C-407E-A947-70E740481C1C}">
                 <a14:useLocalDpi xmlns:a14="http://schemas.microsoft.com/office/drawing/2010/main" val="0"/>
@@ -8776,11 +8687,6 @@
         </p:spPr>
       </p:pic>
     </p:spTree>
-    <p:extLst>
-      <p:ext uri="{BB962C8B-B14F-4D97-AF65-F5344CB8AC3E}">
-        <p14:creationId xmlns:p14="http://schemas.microsoft.com/office/powerpoint/2010/main" val="587391775"/>
-      </p:ext>
-    </p:extLst>
   </p:cSld>
   <p:clrMapOvr>
     <a:masterClrMapping/>
@@ -8807,13 +8713,7 @@
       </p:grpSpPr>
       <p:sp>
         <p:nvSpPr>
-          <p:cNvPr id="2" name="标题 1">
-            <a:extLst>
-              <a:ext uri="{FF2B5EF4-FFF2-40B4-BE49-F238E27FC236}">
-                <a16:creationId xmlns:a16="http://schemas.microsoft.com/office/drawing/2014/main" id="{4A509973-9ADE-449A-B11E-335A68D24131}"/>
-              </a:ext>
-            </a:extLst>
-          </p:cNvPr>
+          <p:cNvPr id="2" name="标题 1"/>
           <p:cNvSpPr>
             <a:spLocks noGrp="1"/>
           </p:cNvSpPr>
@@ -8851,18 +8751,19 @@
               </a:rPr>
               <a:t>民族和外交工作、科技成就</a:t>
             </a:r>
+            <a:endParaRPr lang="zh-CN" altLang="en-US" dirty="0">
+              <a:solidFill>
+                <a:srgbClr val="C00000"/>
+              </a:solidFill>
+              <a:latin typeface="华文行楷" panose="02010800040101010101" pitchFamily="2" charset="-122"/>
+              <a:ea typeface="华文行楷" panose="02010800040101010101" pitchFamily="2" charset="-122"/>
+            </a:endParaRPr>
           </a:p>
         </p:txBody>
       </p:sp>
       <p:pic>
         <p:nvPicPr>
-          <p:cNvPr id="5" name="内容占位符 4">
-            <a:extLst>
-              <a:ext uri="{FF2B5EF4-FFF2-40B4-BE49-F238E27FC236}">
-                <a16:creationId xmlns:a16="http://schemas.microsoft.com/office/drawing/2014/main" id="{51790DA1-1A2D-473F-BDF0-E6938F1E6A56}"/>
-              </a:ext>
-            </a:extLst>
-          </p:cNvPr>
+          <p:cNvPr id="5" name="内容占位符 4"/>
           <p:cNvPicPr>
             <a:picLocks noGrp="1" noChangeAspect="1"/>
           </p:cNvPicPr>
@@ -8871,7 +8772,7 @@
           </p:nvPr>
         </p:nvPicPr>
         <p:blipFill>
-          <a:blip r:embed="rId2">
+          <a:blip r:embed="rId1">
             <a:extLst>
               <a:ext uri="{28A0092B-C50C-407E-A947-70E740481C1C}">
                 <a14:useLocalDpi xmlns:a14="http://schemas.microsoft.com/office/drawing/2010/main" val="0"/>
@@ -8890,11 +8791,6 @@
         </p:spPr>
       </p:pic>
     </p:spTree>
-    <p:extLst>
-      <p:ext uri="{BB962C8B-B14F-4D97-AF65-F5344CB8AC3E}">
-        <p14:creationId xmlns:p14="http://schemas.microsoft.com/office/powerpoint/2010/main" val="1068285142"/>
-      </p:ext>
-    </p:extLst>
   </p:cSld>
   <p:clrMapOvr>
     <a:masterClrMapping/>
@@ -8921,13 +8817,7 @@
       </p:grpSpPr>
       <p:sp>
         <p:nvSpPr>
-          <p:cNvPr id="2" name="标题 1">
-            <a:extLst>
-              <a:ext uri="{FF2B5EF4-FFF2-40B4-BE49-F238E27FC236}">
-                <a16:creationId xmlns:a16="http://schemas.microsoft.com/office/drawing/2014/main" id="{CABE3B92-4039-4890-8A4C-A2B0789998B6}"/>
-              </a:ext>
-            </a:extLst>
-          </p:cNvPr>
+          <p:cNvPr id="2" name="标题 1"/>
           <p:cNvSpPr>
             <a:spLocks noGrp="1"/>
           </p:cNvSpPr>
@@ -8965,18 +8855,19 @@
               </a:rPr>
               <a:t>欧美资本主义制度的确立和发展</a:t>
             </a:r>
+            <a:endParaRPr lang="zh-CN" altLang="en-US" dirty="0">
+              <a:solidFill>
+                <a:srgbClr val="C00000"/>
+              </a:solidFill>
+              <a:latin typeface="华文行楷" panose="02010800040101010101" pitchFamily="2" charset="-122"/>
+              <a:ea typeface="华文行楷" panose="02010800040101010101" pitchFamily="2" charset="-122"/>
+            </a:endParaRPr>
           </a:p>
         </p:txBody>
       </p:sp>
       <p:pic>
         <p:nvPicPr>
-          <p:cNvPr id="5" name="内容占位符 4">
-            <a:extLst>
-              <a:ext uri="{FF2B5EF4-FFF2-40B4-BE49-F238E27FC236}">
-                <a16:creationId xmlns:a16="http://schemas.microsoft.com/office/drawing/2014/main" id="{408CE105-8485-4C27-87DC-EA9BDA4B0676}"/>
-              </a:ext>
-            </a:extLst>
-          </p:cNvPr>
+          <p:cNvPr id="5" name="内容占位符 4"/>
           <p:cNvPicPr>
             <a:picLocks noGrp="1" noChangeAspect="1"/>
           </p:cNvPicPr>
@@ -8985,7 +8876,7 @@
           </p:nvPr>
         </p:nvPicPr>
         <p:blipFill>
-          <a:blip r:embed="rId2">
+          <a:blip r:embed="rId1">
             <a:extLst>
               <a:ext uri="{28A0092B-C50C-407E-A947-70E740481C1C}">
                 <a14:useLocalDpi xmlns:a14="http://schemas.microsoft.com/office/drawing/2010/main" val="0"/>
@@ -9004,11 +8895,6 @@
         </p:spPr>
       </p:pic>
     </p:spTree>
-    <p:extLst>
-      <p:ext uri="{BB962C8B-B14F-4D97-AF65-F5344CB8AC3E}">
-        <p14:creationId xmlns:p14="http://schemas.microsoft.com/office/powerpoint/2010/main" val="3491147517"/>
-      </p:ext>
-    </p:extLst>
   </p:cSld>
   <p:clrMapOvr>
     <a:masterClrMapping/>
@@ -9035,13 +8921,7 @@
       </p:grpSpPr>
       <p:sp>
         <p:nvSpPr>
-          <p:cNvPr id="2" name="标题 1">
-            <a:extLst>
-              <a:ext uri="{FF2B5EF4-FFF2-40B4-BE49-F238E27FC236}">
-                <a16:creationId xmlns:a16="http://schemas.microsoft.com/office/drawing/2014/main" id="{3EBE65CE-A692-415D-ADEB-483E0B13859E}"/>
-              </a:ext>
-            </a:extLst>
-          </p:cNvPr>
+          <p:cNvPr id="2" name="标题 1"/>
           <p:cNvSpPr>
             <a:spLocks noGrp="1"/>
           </p:cNvSpPr>
@@ -9079,18 +8959,19 @@
               </a:rPr>
               <a:t>三次工业革命的开展</a:t>
             </a:r>
+            <a:endParaRPr lang="zh-CN" altLang="en-US" dirty="0">
+              <a:solidFill>
+                <a:srgbClr val="C00000"/>
+              </a:solidFill>
+              <a:latin typeface="华文行楷" panose="02010800040101010101" pitchFamily="2" charset="-122"/>
+              <a:ea typeface="华文行楷" panose="02010800040101010101" pitchFamily="2" charset="-122"/>
+            </a:endParaRPr>
           </a:p>
         </p:txBody>
       </p:sp>
       <p:pic>
         <p:nvPicPr>
-          <p:cNvPr id="5" name="内容占位符 4">
-            <a:extLst>
-              <a:ext uri="{FF2B5EF4-FFF2-40B4-BE49-F238E27FC236}">
-                <a16:creationId xmlns:a16="http://schemas.microsoft.com/office/drawing/2014/main" id="{AB93470F-A430-4338-8315-C08C6C6BA3A5}"/>
-              </a:ext>
-            </a:extLst>
-          </p:cNvPr>
+          <p:cNvPr id="5" name="内容占位符 4"/>
           <p:cNvPicPr>
             <a:picLocks noGrp="1" noChangeAspect="1"/>
           </p:cNvPicPr>
@@ -9099,7 +8980,7 @@
           </p:nvPr>
         </p:nvPicPr>
         <p:blipFill>
-          <a:blip r:embed="rId2">
+          <a:blip r:embed="rId1">
             <a:extLst>
               <a:ext uri="{28A0092B-C50C-407E-A947-70E740481C1C}">
                 <a14:useLocalDpi xmlns:a14="http://schemas.microsoft.com/office/drawing/2010/main" val="0"/>
@@ -9118,11 +8999,6 @@
         </p:spPr>
       </p:pic>
     </p:spTree>
-    <p:extLst>
-      <p:ext uri="{BB962C8B-B14F-4D97-AF65-F5344CB8AC3E}">
-        <p14:creationId xmlns:p14="http://schemas.microsoft.com/office/powerpoint/2010/main" val="3490543722"/>
-      </p:ext>
-    </p:extLst>
   </p:cSld>
   <p:clrMapOvr>
     <a:masterClrMapping/>
@@ -9149,13 +9025,7 @@
       </p:grpSpPr>
       <p:sp>
         <p:nvSpPr>
-          <p:cNvPr id="2" name="标题 1">
-            <a:extLst>
-              <a:ext uri="{FF2B5EF4-FFF2-40B4-BE49-F238E27FC236}">
-                <a16:creationId xmlns:a16="http://schemas.microsoft.com/office/drawing/2014/main" id="{30E32D39-594F-4B8C-81DD-6AC4FC127BD5}"/>
-              </a:ext>
-            </a:extLst>
-          </p:cNvPr>
+          <p:cNvPr id="2" name="标题 1"/>
           <p:cNvSpPr>
             <a:spLocks noGrp="1"/>
           </p:cNvSpPr>
@@ -9193,18 +9063,19 @@
               </a:rPr>
               <a:t>两次世界大战</a:t>
             </a:r>
+            <a:endParaRPr lang="zh-CN" altLang="en-US" dirty="0">
+              <a:solidFill>
+                <a:srgbClr val="C00000"/>
+              </a:solidFill>
+              <a:latin typeface="华文行楷" panose="02010800040101010101" pitchFamily="2" charset="-122"/>
+              <a:ea typeface="华文行楷" panose="02010800040101010101" pitchFamily="2" charset="-122"/>
+            </a:endParaRPr>
           </a:p>
         </p:txBody>
       </p:sp>
       <p:pic>
         <p:nvPicPr>
-          <p:cNvPr id="5" name="内容占位符 4">
-            <a:extLst>
-              <a:ext uri="{FF2B5EF4-FFF2-40B4-BE49-F238E27FC236}">
-                <a16:creationId xmlns:a16="http://schemas.microsoft.com/office/drawing/2014/main" id="{423E7C8B-1546-421E-9E85-A02AFECAA3CE}"/>
-              </a:ext>
-            </a:extLst>
-          </p:cNvPr>
+          <p:cNvPr id="5" name="内容占位符 4"/>
           <p:cNvPicPr>
             <a:picLocks noGrp="1" noChangeAspect="1"/>
           </p:cNvPicPr>
@@ -9213,7 +9084,7 @@
           </p:nvPr>
         </p:nvPicPr>
         <p:blipFill>
-          <a:blip r:embed="rId2">
+          <a:blip r:embed="rId1">
             <a:extLst>
               <a:ext uri="{28A0092B-C50C-407E-A947-70E740481C1C}">
                 <a14:useLocalDpi xmlns:a14="http://schemas.microsoft.com/office/drawing/2010/main" val="0"/>
@@ -9232,11 +9103,6 @@
         </p:spPr>
       </p:pic>
     </p:spTree>
-    <p:extLst>
-      <p:ext uri="{BB962C8B-B14F-4D97-AF65-F5344CB8AC3E}">
-        <p14:creationId xmlns:p14="http://schemas.microsoft.com/office/powerpoint/2010/main" val="2087480093"/>
-      </p:ext>
-    </p:extLst>
   </p:cSld>
   <p:clrMapOvr>
     <a:masterClrMapping/>
@@ -9263,13 +9129,7 @@
       </p:grpSpPr>
       <p:sp>
         <p:nvSpPr>
-          <p:cNvPr id="2" name="标题 1">
-            <a:extLst>
-              <a:ext uri="{FF2B5EF4-FFF2-40B4-BE49-F238E27FC236}">
-                <a16:creationId xmlns:a16="http://schemas.microsoft.com/office/drawing/2014/main" id="{D319AC15-A369-4E4E-9FD9-56AF95CA1C34}"/>
-              </a:ext>
-            </a:extLst>
-          </p:cNvPr>
+          <p:cNvPr id="2" name="标题 1"/>
           <p:cNvSpPr>
             <a:spLocks noGrp="1"/>
           </p:cNvSpPr>
@@ -9307,18 +9167,19 @@
               </a:rPr>
               <a:t>世界格局的演变</a:t>
             </a:r>
+            <a:endParaRPr lang="zh-CN" altLang="en-US" dirty="0">
+              <a:solidFill>
+                <a:srgbClr val="C00000"/>
+              </a:solidFill>
+              <a:latin typeface="华文行楷" panose="02010800040101010101" pitchFamily="2" charset="-122"/>
+              <a:ea typeface="华文行楷" panose="02010800040101010101" pitchFamily="2" charset="-122"/>
+            </a:endParaRPr>
           </a:p>
         </p:txBody>
       </p:sp>
       <p:pic>
         <p:nvPicPr>
-          <p:cNvPr id="5" name="内容占位符 4">
-            <a:extLst>
-              <a:ext uri="{FF2B5EF4-FFF2-40B4-BE49-F238E27FC236}">
-                <a16:creationId xmlns:a16="http://schemas.microsoft.com/office/drawing/2014/main" id="{AD59DBB4-E8E1-4F33-9618-9B2BF6CA4B71}"/>
-              </a:ext>
-            </a:extLst>
-          </p:cNvPr>
+          <p:cNvPr id="5" name="内容占位符 4"/>
           <p:cNvPicPr>
             <a:picLocks noGrp="1" noChangeAspect="1"/>
           </p:cNvPicPr>
@@ -9327,7 +9188,7 @@
           </p:nvPr>
         </p:nvPicPr>
         <p:blipFill>
-          <a:blip r:embed="rId2">
+          <a:blip r:embed="rId1">
             <a:extLst>
               <a:ext uri="{28A0092B-C50C-407E-A947-70E740481C1C}">
                 <a14:useLocalDpi xmlns:a14="http://schemas.microsoft.com/office/drawing/2010/main" val="0"/>
@@ -9346,11 +9207,6 @@
         </p:spPr>
       </p:pic>
     </p:spTree>
-    <p:extLst>
-      <p:ext uri="{BB962C8B-B14F-4D97-AF65-F5344CB8AC3E}">
-        <p14:creationId xmlns:p14="http://schemas.microsoft.com/office/powerpoint/2010/main" val="30551031"/>
-      </p:ext>
-    </p:extLst>
   </p:cSld>
   <p:clrMapOvr>
     <a:masterClrMapping/>
@@ -9377,13 +9233,7 @@
       </p:grpSpPr>
       <p:sp>
         <p:nvSpPr>
-          <p:cNvPr id="2" name="标题 1">
-            <a:extLst>
-              <a:ext uri="{FF2B5EF4-FFF2-40B4-BE49-F238E27FC236}">
-                <a16:creationId xmlns:a16="http://schemas.microsoft.com/office/drawing/2014/main" id="{71D3E5E7-9E9D-4D29-AE8E-CCE52B336CEC}"/>
-              </a:ext>
-            </a:extLst>
-          </p:cNvPr>
+          <p:cNvPr id="2" name="标题 1"/>
           <p:cNvSpPr>
             <a:spLocks noGrp="1"/>
           </p:cNvSpPr>
@@ -9423,18 +9273,19 @@
               </a:rPr>
               <a:t>列强的侵略</a:t>
             </a:r>
+            <a:endParaRPr lang="zh-CN" altLang="en-US" sz="4000" dirty="0">
+              <a:solidFill>
+                <a:srgbClr val="C00000"/>
+              </a:solidFill>
+              <a:latin typeface="华文行楷" panose="02010800040101010101" pitchFamily="2" charset="-122"/>
+              <a:ea typeface="华文行楷" panose="02010800040101010101" pitchFamily="2" charset="-122"/>
+            </a:endParaRPr>
           </a:p>
         </p:txBody>
       </p:sp>
       <p:pic>
         <p:nvPicPr>
-          <p:cNvPr id="4" name="内容占位符 3">
-            <a:extLst>
-              <a:ext uri="{FF2B5EF4-FFF2-40B4-BE49-F238E27FC236}">
-                <a16:creationId xmlns:a16="http://schemas.microsoft.com/office/drawing/2014/main" id="{4DDCA6A1-FF43-458B-9E4B-FB0DDFE4103A}"/>
-              </a:ext>
-            </a:extLst>
-          </p:cNvPr>
+          <p:cNvPr id="4" name="内容占位符 3"/>
           <p:cNvPicPr>
             <a:picLocks noGrp="1" noChangeAspect="1"/>
           </p:cNvPicPr>
@@ -9443,7 +9294,7 @@
           </p:nvPr>
         </p:nvPicPr>
         <p:blipFill>
-          <a:blip r:embed="rId2">
+          <a:blip r:embed="rId1">
             <a:extLst>
               <a:ext uri="{28A0092B-C50C-407E-A947-70E740481C1C}">
                 <a14:useLocalDpi xmlns:a14="http://schemas.microsoft.com/office/drawing/2010/main" val="0"/>
@@ -9466,13 +9317,7 @@
       </p:pic>
       <p:sp>
         <p:nvSpPr>
-          <p:cNvPr id="5" name="文本框 4">
-            <a:extLst>
-              <a:ext uri="{FF2B5EF4-FFF2-40B4-BE49-F238E27FC236}">
-                <a16:creationId xmlns:a16="http://schemas.microsoft.com/office/drawing/2014/main" id="{6917EAF3-E245-4773-B990-48D253E5BC7B}"/>
-              </a:ext>
-            </a:extLst>
-          </p:cNvPr>
+          <p:cNvPr id="5" name="文本框 4"/>
           <p:cNvSpPr txBox="1"/>
           <p:nvPr/>
         </p:nvSpPr>
@@ -9509,11 +9354,6 @@
         </p:txBody>
       </p:sp>
     </p:spTree>
-    <p:extLst>
-      <p:ext uri="{BB962C8B-B14F-4D97-AF65-F5344CB8AC3E}">
-        <p14:creationId xmlns:p14="http://schemas.microsoft.com/office/powerpoint/2010/main" val="2085041683"/>
-      </p:ext>
-    </p:extLst>
   </p:cSld>
   <p:clrMapOvr>
     <a:masterClrMapping/>
@@ -9540,13 +9380,7 @@
       </p:grpSpPr>
       <p:sp>
         <p:nvSpPr>
-          <p:cNvPr id="2" name="标题 1">
-            <a:extLst>
-              <a:ext uri="{FF2B5EF4-FFF2-40B4-BE49-F238E27FC236}">
-                <a16:creationId xmlns:a16="http://schemas.microsoft.com/office/drawing/2014/main" id="{C1E583C3-11BE-4527-B036-C6B646EAA6BF}"/>
-              </a:ext>
-            </a:extLst>
-          </p:cNvPr>
+          <p:cNvPr id="2" name="标题 1"/>
           <p:cNvSpPr>
             <a:spLocks noGrp="1"/>
           </p:cNvSpPr>
@@ -9584,18 +9418,19 @@
               </a:rPr>
               <a:t>世界一体化进程</a:t>
             </a:r>
+            <a:endParaRPr lang="zh-CN" altLang="en-US" dirty="0">
+              <a:solidFill>
+                <a:srgbClr val="C00000"/>
+              </a:solidFill>
+              <a:latin typeface="华文行楷" panose="02010800040101010101" pitchFamily="2" charset="-122"/>
+              <a:ea typeface="华文行楷" panose="02010800040101010101" pitchFamily="2" charset="-122"/>
+            </a:endParaRPr>
           </a:p>
         </p:txBody>
       </p:sp>
       <p:pic>
         <p:nvPicPr>
-          <p:cNvPr id="5" name="内容占位符 4">
-            <a:extLst>
-              <a:ext uri="{FF2B5EF4-FFF2-40B4-BE49-F238E27FC236}">
-                <a16:creationId xmlns:a16="http://schemas.microsoft.com/office/drawing/2014/main" id="{503F50EB-BD82-48F2-9223-75C42DC93048}"/>
-              </a:ext>
-            </a:extLst>
-          </p:cNvPr>
+          <p:cNvPr id="5" name="内容占位符 4"/>
           <p:cNvPicPr>
             <a:picLocks noGrp="1" noChangeAspect="1"/>
           </p:cNvPicPr>
@@ -9604,7 +9439,7 @@
           </p:nvPr>
         </p:nvPicPr>
         <p:blipFill>
-          <a:blip r:embed="rId2">
+          <a:blip r:embed="rId1">
             <a:extLst>
               <a:ext uri="{28A0092B-C50C-407E-A947-70E740481C1C}">
                 <a14:useLocalDpi xmlns:a14="http://schemas.microsoft.com/office/drawing/2010/main" val="0"/>
@@ -9623,11 +9458,6 @@
         </p:spPr>
       </p:pic>
     </p:spTree>
-    <p:extLst>
-      <p:ext uri="{BB962C8B-B14F-4D97-AF65-F5344CB8AC3E}">
-        <p14:creationId xmlns:p14="http://schemas.microsoft.com/office/powerpoint/2010/main" val="2918970021"/>
-      </p:ext>
-    </p:extLst>
   </p:cSld>
   <p:clrMapOvr>
     <a:masterClrMapping/>
@@ -9654,13 +9484,7 @@
       </p:grpSpPr>
       <p:sp>
         <p:nvSpPr>
-          <p:cNvPr id="2" name="标题 1">
-            <a:extLst>
-              <a:ext uri="{FF2B5EF4-FFF2-40B4-BE49-F238E27FC236}">
-                <a16:creationId xmlns:a16="http://schemas.microsoft.com/office/drawing/2014/main" id="{AECDCC95-6DF2-4CF6-97DF-33F31FF7D10B}"/>
-              </a:ext>
-            </a:extLst>
-          </p:cNvPr>
+          <p:cNvPr id="2" name="标题 1"/>
           <p:cNvSpPr>
             <a:spLocks noGrp="1"/>
           </p:cNvSpPr>
@@ -9698,18 +9522,19 @@
               </a:rPr>
               <a:t>共产主义运动的发展</a:t>
             </a:r>
+            <a:endParaRPr lang="zh-CN" altLang="en-US" dirty="0">
+              <a:solidFill>
+                <a:srgbClr val="C00000"/>
+              </a:solidFill>
+              <a:latin typeface="华文行楷" panose="02010800040101010101" pitchFamily="2" charset="-122"/>
+              <a:ea typeface="华文行楷" panose="02010800040101010101" pitchFamily="2" charset="-122"/>
+            </a:endParaRPr>
           </a:p>
         </p:txBody>
       </p:sp>
       <p:pic>
         <p:nvPicPr>
-          <p:cNvPr id="5" name="内容占位符 4">
-            <a:extLst>
-              <a:ext uri="{FF2B5EF4-FFF2-40B4-BE49-F238E27FC236}">
-                <a16:creationId xmlns:a16="http://schemas.microsoft.com/office/drawing/2014/main" id="{865229A4-A70D-4D66-B249-6A0F505ABB69}"/>
-              </a:ext>
-            </a:extLst>
-          </p:cNvPr>
+          <p:cNvPr id="5" name="内容占位符 4"/>
           <p:cNvPicPr>
             <a:picLocks noGrp="1" noChangeAspect="1"/>
           </p:cNvPicPr>
@@ -9718,7 +9543,7 @@
           </p:nvPr>
         </p:nvPicPr>
         <p:blipFill>
-          <a:blip r:embed="rId2">
+          <a:blip r:embed="rId1">
             <a:extLst>
               <a:ext uri="{28A0092B-C50C-407E-A947-70E740481C1C}">
                 <a14:useLocalDpi xmlns:a14="http://schemas.microsoft.com/office/drawing/2010/main" val="0"/>
@@ -9737,11 +9562,6 @@
         </p:spPr>
       </p:pic>
     </p:spTree>
-    <p:extLst>
-      <p:ext uri="{BB962C8B-B14F-4D97-AF65-F5344CB8AC3E}">
-        <p14:creationId xmlns:p14="http://schemas.microsoft.com/office/powerpoint/2010/main" val="3418028534"/>
-      </p:ext>
-    </p:extLst>
   </p:cSld>
   <p:clrMapOvr>
     <a:masterClrMapping/>
@@ -9768,13 +9588,7 @@
       </p:grpSpPr>
       <p:sp>
         <p:nvSpPr>
-          <p:cNvPr id="2" name="标题 1">
-            <a:extLst>
-              <a:ext uri="{FF2B5EF4-FFF2-40B4-BE49-F238E27FC236}">
-                <a16:creationId xmlns:a16="http://schemas.microsoft.com/office/drawing/2014/main" id="{CE1108AD-2543-4FC7-9151-F19BFD073FA5}"/>
-              </a:ext>
-            </a:extLst>
-          </p:cNvPr>
+          <p:cNvPr id="2" name="标题 1"/>
           <p:cNvSpPr>
             <a:spLocks noGrp="1"/>
           </p:cNvSpPr>
@@ -9797,18 +9611,19 @@
               </a:rPr>
               <a:t>大事一览表</a:t>
             </a:r>
+            <a:endParaRPr lang="zh-CN" altLang="en-US" dirty="0">
+              <a:solidFill>
+                <a:srgbClr val="C00000"/>
+              </a:solidFill>
+              <a:latin typeface="华文行楷" panose="02010800040101010101" pitchFamily="2" charset="-122"/>
+              <a:ea typeface="华文行楷" panose="02010800040101010101" pitchFamily="2" charset="-122"/>
+            </a:endParaRPr>
           </a:p>
         </p:txBody>
       </p:sp>
       <p:pic>
         <p:nvPicPr>
-          <p:cNvPr id="5" name="内容占位符 4">
-            <a:extLst>
-              <a:ext uri="{FF2B5EF4-FFF2-40B4-BE49-F238E27FC236}">
-                <a16:creationId xmlns:a16="http://schemas.microsoft.com/office/drawing/2014/main" id="{F00FF9BF-1203-4600-AB3A-E226F1BA7704}"/>
-              </a:ext>
-            </a:extLst>
-          </p:cNvPr>
+          <p:cNvPr id="5" name="内容占位符 4"/>
           <p:cNvPicPr>
             <a:picLocks noGrp="1" noChangeAspect="1"/>
           </p:cNvPicPr>
@@ -9817,7 +9632,7 @@
           </p:nvPr>
         </p:nvPicPr>
         <p:blipFill>
-          <a:blip r:embed="rId2">
+          <a:blip r:embed="rId1">
             <a:extLst>
               <a:ext uri="{28A0092B-C50C-407E-A947-70E740481C1C}">
                 <a14:useLocalDpi xmlns:a14="http://schemas.microsoft.com/office/drawing/2010/main" val="0"/>
@@ -9836,11 +9651,6 @@
         </p:spPr>
       </p:pic>
     </p:spTree>
-    <p:extLst>
-      <p:ext uri="{BB962C8B-B14F-4D97-AF65-F5344CB8AC3E}">
-        <p14:creationId xmlns:p14="http://schemas.microsoft.com/office/powerpoint/2010/main" val="2978369887"/>
-      </p:ext>
-    </p:extLst>
   </p:cSld>
   <p:clrMapOvr>
     <a:masterClrMapping/>
@@ -9867,13 +9677,7 @@
       </p:grpSpPr>
       <p:sp>
         <p:nvSpPr>
-          <p:cNvPr id="2" name="标题 1">
-            <a:extLst>
-              <a:ext uri="{FF2B5EF4-FFF2-40B4-BE49-F238E27FC236}">
-                <a16:creationId xmlns:a16="http://schemas.microsoft.com/office/drawing/2014/main" id="{563087E2-7DAD-4D01-B6ED-07F10945AF88}"/>
-              </a:ext>
-            </a:extLst>
-          </p:cNvPr>
+          <p:cNvPr id="2" name="标题 1"/>
           <p:cNvSpPr>
             <a:spLocks noGrp="1"/>
           </p:cNvSpPr>
@@ -9892,13 +9696,7 @@
       </p:sp>
       <p:pic>
         <p:nvPicPr>
-          <p:cNvPr id="5" name="内容占位符 4">
-            <a:extLst>
-              <a:ext uri="{FF2B5EF4-FFF2-40B4-BE49-F238E27FC236}">
-                <a16:creationId xmlns:a16="http://schemas.microsoft.com/office/drawing/2014/main" id="{9453D6DF-1848-46F3-BE42-7597B4C69CE1}"/>
-              </a:ext>
-            </a:extLst>
-          </p:cNvPr>
+          <p:cNvPr id="5" name="内容占位符 4"/>
           <p:cNvPicPr>
             <a:picLocks noGrp="1" noChangeAspect="1"/>
           </p:cNvPicPr>
@@ -9907,7 +9705,7 @@
           </p:nvPr>
         </p:nvPicPr>
         <p:blipFill>
-          <a:blip r:embed="rId2">
+          <a:blip r:embed="rId1">
             <a:extLst>
               <a:ext uri="{28A0092B-C50C-407E-A947-70E740481C1C}">
                 <a14:useLocalDpi xmlns:a14="http://schemas.microsoft.com/office/drawing/2010/main" val="0"/>
@@ -9926,11 +9724,6 @@
         </p:spPr>
       </p:pic>
     </p:spTree>
-    <p:extLst>
-      <p:ext uri="{BB962C8B-B14F-4D97-AF65-F5344CB8AC3E}">
-        <p14:creationId xmlns:p14="http://schemas.microsoft.com/office/powerpoint/2010/main" val="3657836706"/>
-      </p:ext>
-    </p:extLst>
   </p:cSld>
   <p:clrMapOvr>
     <a:masterClrMapping/>
@@ -9957,13 +9750,7 @@
       </p:grpSpPr>
       <p:sp>
         <p:nvSpPr>
-          <p:cNvPr id="2" name="标题 1">
-            <a:extLst>
-              <a:ext uri="{FF2B5EF4-FFF2-40B4-BE49-F238E27FC236}">
-                <a16:creationId xmlns:a16="http://schemas.microsoft.com/office/drawing/2014/main" id="{0F58AC89-DCBA-44F7-9E75-E649E19C060C}"/>
-              </a:ext>
-            </a:extLst>
-          </p:cNvPr>
+          <p:cNvPr id="2" name="标题 1"/>
           <p:cNvSpPr>
             <a:spLocks noGrp="1"/>
           </p:cNvSpPr>
@@ -10001,18 +9788,19 @@
               </a:rPr>
               <a:t>中国人民反抗外来侵略的斗争</a:t>
             </a:r>
+            <a:endParaRPr lang="zh-CN" altLang="en-US" dirty="0">
+              <a:solidFill>
+                <a:srgbClr val="C00000"/>
+              </a:solidFill>
+              <a:latin typeface="华文行楷" panose="02010800040101010101" pitchFamily="2" charset="-122"/>
+              <a:ea typeface="华文行楷" panose="02010800040101010101" pitchFamily="2" charset="-122"/>
+            </a:endParaRPr>
           </a:p>
         </p:txBody>
       </p:sp>
       <p:pic>
         <p:nvPicPr>
-          <p:cNvPr id="5" name="内容占位符 4">
-            <a:extLst>
-              <a:ext uri="{FF2B5EF4-FFF2-40B4-BE49-F238E27FC236}">
-                <a16:creationId xmlns:a16="http://schemas.microsoft.com/office/drawing/2014/main" id="{F113898B-BE2B-4625-B765-BBDA912D506C}"/>
-              </a:ext>
-            </a:extLst>
-          </p:cNvPr>
+          <p:cNvPr id="5" name="内容占位符 4"/>
           <p:cNvPicPr>
             <a:picLocks noGrp="1" noChangeAspect="1"/>
           </p:cNvPicPr>
@@ -10021,7 +9809,7 @@
           </p:nvPr>
         </p:nvPicPr>
         <p:blipFill>
-          <a:blip r:embed="rId2">
+          <a:blip r:embed="rId1">
             <a:extLst>
               <a:ext uri="{28A0092B-C50C-407E-A947-70E740481C1C}">
                 <a14:useLocalDpi xmlns:a14="http://schemas.microsoft.com/office/drawing/2010/main" val="0"/>
@@ -10040,11 +9828,6 @@
         </p:spPr>
       </p:pic>
     </p:spTree>
-    <p:extLst>
-      <p:ext uri="{BB962C8B-B14F-4D97-AF65-F5344CB8AC3E}">
-        <p14:creationId xmlns:p14="http://schemas.microsoft.com/office/powerpoint/2010/main" val="840501618"/>
-      </p:ext>
-    </p:extLst>
   </p:cSld>
   <p:clrMapOvr>
     <a:masterClrMapping/>
@@ -10071,13 +9854,7 @@
       </p:grpSpPr>
       <p:sp>
         <p:nvSpPr>
-          <p:cNvPr id="2" name="标题 1">
-            <a:extLst>
-              <a:ext uri="{FF2B5EF4-FFF2-40B4-BE49-F238E27FC236}">
-                <a16:creationId xmlns:a16="http://schemas.microsoft.com/office/drawing/2014/main" id="{308D699A-CECF-405F-A670-AF21078D9050}"/>
-              </a:ext>
-            </a:extLst>
-          </p:cNvPr>
+          <p:cNvPr id="2" name="标题 1"/>
           <p:cNvSpPr>
             <a:spLocks noGrp="1"/>
           </p:cNvSpPr>
@@ -10115,18 +9892,19 @@
               </a:rPr>
               <a:t>中国人民探索近代化的历程</a:t>
             </a:r>
+            <a:endParaRPr lang="zh-CN" altLang="en-US" dirty="0">
+              <a:solidFill>
+                <a:srgbClr val="C00000"/>
+              </a:solidFill>
+              <a:latin typeface="华文行楷" panose="02010800040101010101" pitchFamily="2" charset="-122"/>
+              <a:ea typeface="华文行楷" panose="02010800040101010101" pitchFamily="2" charset="-122"/>
+            </a:endParaRPr>
           </a:p>
         </p:txBody>
       </p:sp>
       <p:pic>
         <p:nvPicPr>
-          <p:cNvPr id="5" name="内容占位符 4">
-            <a:extLst>
-              <a:ext uri="{FF2B5EF4-FFF2-40B4-BE49-F238E27FC236}">
-                <a16:creationId xmlns:a16="http://schemas.microsoft.com/office/drawing/2014/main" id="{9F6A5354-B862-43AD-B94E-E3FF088C3535}"/>
-              </a:ext>
-            </a:extLst>
-          </p:cNvPr>
+          <p:cNvPr id="5" name="内容占位符 4"/>
           <p:cNvPicPr>
             <a:picLocks noGrp="1" noChangeAspect="1"/>
           </p:cNvPicPr>
@@ -10135,7 +9913,7 @@
           </p:nvPr>
         </p:nvPicPr>
         <p:blipFill>
-          <a:blip r:embed="rId2">
+          <a:blip r:embed="rId1">
             <a:extLst>
               <a:ext uri="{28A0092B-C50C-407E-A947-70E740481C1C}">
                 <a14:useLocalDpi xmlns:a14="http://schemas.microsoft.com/office/drawing/2010/main" val="0"/>
@@ -10154,11 +9932,6 @@
         </p:spPr>
       </p:pic>
     </p:spTree>
-    <p:extLst>
-      <p:ext uri="{BB962C8B-B14F-4D97-AF65-F5344CB8AC3E}">
-        <p14:creationId xmlns:p14="http://schemas.microsoft.com/office/powerpoint/2010/main" val="2843251236"/>
-      </p:ext>
-    </p:extLst>
   </p:cSld>
   <p:clrMapOvr>
     <a:masterClrMapping/>
@@ -10185,13 +9958,7 @@
       </p:grpSpPr>
       <p:sp>
         <p:nvSpPr>
-          <p:cNvPr id="2" name="标题 1">
-            <a:extLst>
-              <a:ext uri="{FF2B5EF4-FFF2-40B4-BE49-F238E27FC236}">
-                <a16:creationId xmlns:a16="http://schemas.microsoft.com/office/drawing/2014/main" id="{963B2FC8-E3F7-4D84-9E7E-9ADC97DDF3CE}"/>
-              </a:ext>
-            </a:extLst>
-          </p:cNvPr>
+          <p:cNvPr id="2" name="标题 1"/>
           <p:cNvSpPr>
             <a:spLocks noGrp="1"/>
           </p:cNvSpPr>
@@ -10229,18 +9996,19 @@
               </a:rPr>
               <a:t>新民主主义革命的历程</a:t>
             </a:r>
+            <a:endParaRPr lang="zh-CN" altLang="en-US" dirty="0">
+              <a:solidFill>
+                <a:srgbClr val="C00000"/>
+              </a:solidFill>
+              <a:latin typeface="华文行楷" panose="02010800040101010101" pitchFamily="2" charset="-122"/>
+              <a:ea typeface="华文行楷" panose="02010800040101010101" pitchFamily="2" charset="-122"/>
+            </a:endParaRPr>
           </a:p>
         </p:txBody>
       </p:sp>
       <p:pic>
         <p:nvPicPr>
-          <p:cNvPr id="5" name="内容占位符 4">
-            <a:extLst>
-              <a:ext uri="{FF2B5EF4-FFF2-40B4-BE49-F238E27FC236}">
-                <a16:creationId xmlns:a16="http://schemas.microsoft.com/office/drawing/2014/main" id="{0FF8BC77-CCC8-4CFC-9257-28991E2D6E22}"/>
-              </a:ext>
-            </a:extLst>
-          </p:cNvPr>
+          <p:cNvPr id="5" name="内容占位符 4"/>
           <p:cNvPicPr>
             <a:picLocks noGrp="1" noChangeAspect="1"/>
           </p:cNvPicPr>
@@ -10249,7 +10017,7 @@
           </p:nvPr>
         </p:nvPicPr>
         <p:blipFill>
-          <a:blip r:embed="rId2">
+          <a:blip r:embed="rId1">
             <a:extLst>
               <a:ext uri="{28A0092B-C50C-407E-A947-70E740481C1C}">
                 <a14:useLocalDpi xmlns:a14="http://schemas.microsoft.com/office/drawing/2010/main" val="0"/>
@@ -10268,11 +10036,6 @@
         </p:spPr>
       </p:pic>
     </p:spTree>
-    <p:extLst>
-      <p:ext uri="{BB962C8B-B14F-4D97-AF65-F5344CB8AC3E}">
-        <p14:creationId xmlns:p14="http://schemas.microsoft.com/office/powerpoint/2010/main" val="1316947239"/>
-      </p:ext>
-    </p:extLst>
   </p:cSld>
   <p:clrMapOvr>
     <a:masterClrMapping/>
@@ -10299,13 +10062,7 @@
       </p:grpSpPr>
       <p:sp>
         <p:nvSpPr>
-          <p:cNvPr id="2" name="标题 1">
-            <a:extLst>
-              <a:ext uri="{FF2B5EF4-FFF2-40B4-BE49-F238E27FC236}">
-                <a16:creationId xmlns:a16="http://schemas.microsoft.com/office/drawing/2014/main" id="{5F4BF5D9-D664-413A-A750-1A906D75ACFC}"/>
-              </a:ext>
-            </a:extLst>
-          </p:cNvPr>
+          <p:cNvPr id="2" name="标题 1"/>
           <p:cNvSpPr>
             <a:spLocks noGrp="1"/>
           </p:cNvSpPr>
@@ -10343,18 +10100,19 @@
               </a:rPr>
               <a:t>国民革命运动</a:t>
             </a:r>
+            <a:endParaRPr lang="zh-CN" altLang="en-US" dirty="0">
+              <a:solidFill>
+                <a:srgbClr val="C00000"/>
+              </a:solidFill>
+              <a:latin typeface="华文行楷" panose="02010800040101010101" pitchFamily="2" charset="-122"/>
+              <a:ea typeface="华文行楷" panose="02010800040101010101" pitchFamily="2" charset="-122"/>
+            </a:endParaRPr>
           </a:p>
         </p:txBody>
       </p:sp>
       <p:pic>
         <p:nvPicPr>
-          <p:cNvPr id="5" name="内容占位符 4">
-            <a:extLst>
-              <a:ext uri="{FF2B5EF4-FFF2-40B4-BE49-F238E27FC236}">
-                <a16:creationId xmlns:a16="http://schemas.microsoft.com/office/drawing/2014/main" id="{A334AB1F-8333-4ACA-9A1A-1DF58BCF3759}"/>
-              </a:ext>
-            </a:extLst>
-          </p:cNvPr>
+          <p:cNvPr id="5" name="内容占位符 4"/>
           <p:cNvPicPr>
             <a:picLocks noGrp="1" noChangeAspect="1"/>
           </p:cNvPicPr>
@@ -10363,7 +10121,7 @@
           </p:nvPr>
         </p:nvPicPr>
         <p:blipFill>
-          <a:blip r:embed="rId2">
+          <a:blip r:embed="rId1">
             <a:extLst>
               <a:ext uri="{28A0092B-C50C-407E-A947-70E740481C1C}">
                 <a14:useLocalDpi xmlns:a14="http://schemas.microsoft.com/office/drawing/2010/main" val="0"/>
@@ -10382,11 +10140,6 @@
         </p:spPr>
       </p:pic>
     </p:spTree>
-    <p:extLst>
-      <p:ext uri="{BB962C8B-B14F-4D97-AF65-F5344CB8AC3E}">
-        <p14:creationId xmlns:p14="http://schemas.microsoft.com/office/powerpoint/2010/main" val="3097054820"/>
-      </p:ext>
-    </p:extLst>
   </p:cSld>
   <p:clrMapOvr>
     <a:masterClrMapping/>
@@ -10413,13 +10166,7 @@
       </p:grpSpPr>
       <p:sp>
         <p:nvSpPr>
-          <p:cNvPr id="2" name="标题 1">
-            <a:extLst>
-              <a:ext uri="{FF2B5EF4-FFF2-40B4-BE49-F238E27FC236}">
-                <a16:creationId xmlns:a16="http://schemas.microsoft.com/office/drawing/2014/main" id="{A8A3BFA1-E8C8-4247-927F-BE9AB7149776}"/>
-              </a:ext>
-            </a:extLst>
-          </p:cNvPr>
+          <p:cNvPr id="2" name="标题 1"/>
           <p:cNvSpPr>
             <a:spLocks noGrp="1"/>
           </p:cNvSpPr>
@@ -10457,18 +10204,19 @@
               </a:rPr>
               <a:t>国共十年内战</a:t>
             </a:r>
+            <a:endParaRPr lang="zh-CN" altLang="en-US" dirty="0">
+              <a:solidFill>
+                <a:srgbClr val="C00000"/>
+              </a:solidFill>
+              <a:latin typeface="华文行楷" panose="02010800040101010101" pitchFamily="2" charset="-122"/>
+              <a:ea typeface="华文行楷" panose="02010800040101010101" pitchFamily="2" charset="-122"/>
+            </a:endParaRPr>
           </a:p>
         </p:txBody>
       </p:sp>
       <p:pic>
         <p:nvPicPr>
-          <p:cNvPr id="5" name="内容占位符 4">
-            <a:extLst>
-              <a:ext uri="{FF2B5EF4-FFF2-40B4-BE49-F238E27FC236}">
-                <a16:creationId xmlns:a16="http://schemas.microsoft.com/office/drawing/2014/main" id="{9E8DBABD-09DB-4682-920E-0CE302713133}"/>
-              </a:ext>
-            </a:extLst>
-          </p:cNvPr>
+          <p:cNvPr id="5" name="内容占位符 4"/>
           <p:cNvPicPr>
             <a:picLocks noGrp="1" noChangeAspect="1"/>
           </p:cNvPicPr>
@@ -10477,7 +10225,7 @@
           </p:nvPr>
         </p:nvPicPr>
         <p:blipFill>
-          <a:blip r:embed="rId2">
+          <a:blip r:embed="rId1">
             <a:extLst>
               <a:ext uri="{28A0092B-C50C-407E-A947-70E740481C1C}">
                 <a14:useLocalDpi xmlns:a14="http://schemas.microsoft.com/office/drawing/2010/main" val="0"/>
@@ -10496,11 +10244,6 @@
         </p:spPr>
       </p:pic>
     </p:spTree>
-    <p:extLst>
-      <p:ext uri="{BB962C8B-B14F-4D97-AF65-F5344CB8AC3E}">
-        <p14:creationId xmlns:p14="http://schemas.microsoft.com/office/powerpoint/2010/main" val="3952751247"/>
-      </p:ext>
-    </p:extLst>
   </p:cSld>
   <p:clrMapOvr>
     <a:masterClrMapping/>
@@ -10527,13 +10270,7 @@
       </p:grpSpPr>
       <p:sp>
         <p:nvSpPr>
-          <p:cNvPr id="2" name="标题 1">
-            <a:extLst>
-              <a:ext uri="{FF2B5EF4-FFF2-40B4-BE49-F238E27FC236}">
-                <a16:creationId xmlns:a16="http://schemas.microsoft.com/office/drawing/2014/main" id="{5870DBD0-8AC7-420C-94C0-421DCB64E364}"/>
-              </a:ext>
-            </a:extLst>
-          </p:cNvPr>
+          <p:cNvPr id="2" name="标题 1"/>
           <p:cNvSpPr>
             <a:spLocks noGrp="1"/>
           </p:cNvSpPr>
@@ -10571,18 +10308,19 @@
               </a:rPr>
               <a:t>中华民族的抗日战争</a:t>
             </a:r>
+            <a:endParaRPr lang="zh-CN" altLang="en-US" dirty="0">
+              <a:solidFill>
+                <a:srgbClr val="C00000"/>
+              </a:solidFill>
+              <a:latin typeface="华文行楷" panose="02010800040101010101" pitchFamily="2" charset="-122"/>
+              <a:ea typeface="华文行楷" panose="02010800040101010101" pitchFamily="2" charset="-122"/>
+            </a:endParaRPr>
           </a:p>
         </p:txBody>
       </p:sp>
       <p:pic>
         <p:nvPicPr>
-          <p:cNvPr id="5" name="内容占位符 4">
-            <a:extLst>
-              <a:ext uri="{FF2B5EF4-FFF2-40B4-BE49-F238E27FC236}">
-                <a16:creationId xmlns:a16="http://schemas.microsoft.com/office/drawing/2014/main" id="{5B113686-41EB-438B-98BA-9668B5DA51E8}"/>
-              </a:ext>
-            </a:extLst>
-          </p:cNvPr>
+          <p:cNvPr id="5" name="内容占位符 4"/>
           <p:cNvPicPr>
             <a:picLocks noGrp="1" noChangeAspect="1"/>
           </p:cNvPicPr>
@@ -10591,7 +10329,7 @@
           </p:nvPr>
         </p:nvPicPr>
         <p:blipFill>
-          <a:blip r:embed="rId2">
+          <a:blip r:embed="rId1">
             <a:extLst>
               <a:ext uri="{28A0092B-C50C-407E-A947-70E740481C1C}">
                 <a14:useLocalDpi xmlns:a14="http://schemas.microsoft.com/office/drawing/2010/main" val="0"/>
@@ -10610,11 +10348,6 @@
         </p:spPr>
       </p:pic>
     </p:spTree>
-    <p:extLst>
-      <p:ext uri="{BB962C8B-B14F-4D97-AF65-F5344CB8AC3E}">
-        <p14:creationId xmlns:p14="http://schemas.microsoft.com/office/powerpoint/2010/main" val="769608550"/>
-      </p:ext>
-    </p:extLst>
   </p:cSld>
   <p:clrMapOvr>
     <a:masterClrMapping/>
@@ -10641,13 +10374,7 @@
       </p:grpSpPr>
       <p:sp>
         <p:nvSpPr>
-          <p:cNvPr id="2" name="标题 1">
-            <a:extLst>
-              <a:ext uri="{FF2B5EF4-FFF2-40B4-BE49-F238E27FC236}">
-                <a16:creationId xmlns:a16="http://schemas.microsoft.com/office/drawing/2014/main" id="{91A78F99-5EFA-48BB-92BC-673C5FF9BAE1}"/>
-              </a:ext>
-            </a:extLst>
-          </p:cNvPr>
+          <p:cNvPr id="2" name="标题 1"/>
           <p:cNvSpPr>
             <a:spLocks noGrp="1"/>
           </p:cNvSpPr>
@@ -10685,18 +10412,19 @@
               </a:rPr>
               <a:t>中国人民解放战争</a:t>
             </a:r>
+            <a:endParaRPr lang="zh-CN" altLang="en-US" dirty="0">
+              <a:solidFill>
+                <a:srgbClr val="C00000"/>
+              </a:solidFill>
+              <a:latin typeface="华文行楷" panose="02010800040101010101" pitchFamily="2" charset="-122"/>
+              <a:ea typeface="华文行楷" panose="02010800040101010101" pitchFamily="2" charset="-122"/>
+            </a:endParaRPr>
           </a:p>
         </p:txBody>
       </p:sp>
       <p:pic>
         <p:nvPicPr>
-          <p:cNvPr id="5" name="内容占位符 4">
-            <a:extLst>
-              <a:ext uri="{FF2B5EF4-FFF2-40B4-BE49-F238E27FC236}">
-                <a16:creationId xmlns:a16="http://schemas.microsoft.com/office/drawing/2014/main" id="{0793AA4D-9CB9-4109-AF8F-74786D0CD020}"/>
-              </a:ext>
-            </a:extLst>
-          </p:cNvPr>
+          <p:cNvPr id="5" name="内容占位符 4"/>
           <p:cNvPicPr>
             <a:picLocks noGrp="1" noChangeAspect="1"/>
           </p:cNvPicPr>
@@ -10705,7 +10433,7 @@
           </p:nvPr>
         </p:nvPicPr>
         <p:blipFill>
-          <a:blip r:embed="rId2">
+          <a:blip r:embed="rId1">
             <a:extLst>
               <a:ext uri="{28A0092B-C50C-407E-A947-70E740481C1C}">
                 <a14:useLocalDpi xmlns:a14="http://schemas.microsoft.com/office/drawing/2010/main" val="0"/>
@@ -10724,11 +10452,6 @@
         </p:spPr>
       </p:pic>
     </p:spTree>
-    <p:extLst>
-      <p:ext uri="{BB962C8B-B14F-4D97-AF65-F5344CB8AC3E}">
-        <p14:creationId xmlns:p14="http://schemas.microsoft.com/office/powerpoint/2010/main" val="1600866245"/>
-      </p:ext>
-    </p:extLst>
   </p:cSld>
   <p:clrMapOvr>
     <a:masterClrMapping/>
@@ -10779,7 +10502,7 @@
     </a:clrScheme>
     <a:fontScheme name="丝状">
       <a:majorFont>
-        <a:latin typeface="Century Gothic" panose="020B0502020202020204"/>
+        <a:latin typeface="Century Gothic"/>
         <a:ea typeface=""/>
         <a:cs typeface=""/>
         <a:font script="Jpan" typeface="メイリオ"/>
@@ -10814,7 +10537,7 @@
         <a:font script="Geor" typeface="Sylfaen"/>
       </a:majorFont>
       <a:minorFont>
-        <a:latin typeface="Century Gothic" panose="020B0502020202020204"/>
+        <a:latin typeface="Century Gothic"/>
         <a:ea typeface=""/>
         <a:cs typeface=""/>
         <a:font script="Jpan" typeface="メイリオ"/>
@@ -10969,11 +10692,9 @@
       </a:bgFillStyleLst>
     </a:fmtScheme>
   </a:themeElements>
-  <a:objectDefaults/>
-  <a:extraClrSchemeLst/>
   <a:extLst>
     <a:ext uri="{05A4C25C-085E-4340-85A3-A5531E510DB2}">
-      <thm15:themeFamily xmlns:thm15="http://schemas.microsoft.com/office/thememl/2012/main" name="Wisp" id="{7CB32D59-10C0-40DD-B7BD-2E94284A981C}" vid="{24B1A44C-C006-48B2-A4D7-E5549B3D8CD4}"/>
+      <thm15:themeFamily xmlns:thm15="http://schemas.microsoft.com/office/thememl/2012/main" name="Office Theme" id="{62F939B6-93AF-4DB8-9C6B-D6C7DFDC589F}" vid="{4A3C46E8-61CC-4603-A589-7422A47A8E4A}"/>
     </a:ext>
   </a:extLst>
 </a:theme>
@@ -11022,7 +10743,7 @@
     </a:clrScheme>
     <a:fontScheme name="Office">
       <a:majorFont>
-        <a:latin typeface="等线 Light" panose="020F0302020204030204"/>
+        <a:latin typeface="等线 Light"/>
         <a:ea typeface=""/>
         <a:cs typeface=""/>
         <a:font script="Jpan" typeface="游ゴシック Light"/>
@@ -11055,26 +10776,9 @@
         <a:font script="Viet" typeface="Times New Roman"/>
         <a:font script="Uigh" typeface="Microsoft Uighur"/>
         <a:font script="Geor" typeface="Sylfaen"/>
-        <a:font script="Armn" typeface="Arial"/>
-        <a:font script="Bugi" typeface="Leelawadee UI"/>
-        <a:font script="Bopo" typeface="Microsoft JhengHei"/>
-        <a:font script="Java" typeface="Javanese Text"/>
-        <a:font script="Lisu" typeface="Segoe UI"/>
-        <a:font script="Mymr" typeface="Myanmar Text"/>
-        <a:font script="Nkoo" typeface="Ebrima"/>
-        <a:font script="Olck" typeface="Nirmala UI"/>
-        <a:font script="Osma" typeface="Ebrima"/>
-        <a:font script="Phag" typeface="Phagspa"/>
-        <a:font script="Syrn" typeface="Estrangelo Edessa"/>
-        <a:font script="Syrj" typeface="Estrangelo Edessa"/>
-        <a:font script="Syre" typeface="Estrangelo Edessa"/>
-        <a:font script="Sora" typeface="Nirmala UI"/>
-        <a:font script="Tale" typeface="Microsoft Tai Le"/>
-        <a:font script="Talu" typeface="Microsoft New Tai Lue"/>
-        <a:font script="Tfng" typeface="Ebrima"/>
       </a:majorFont>
       <a:minorFont>
-        <a:latin typeface="等线" panose="020F0502020204030204"/>
+        <a:latin typeface="等线"/>
         <a:ea typeface=""/>
         <a:cs typeface=""/>
         <a:font script="Jpan" typeface="游ゴシック"/>
@@ -11107,23 +10811,6 @@
         <a:font script="Viet" typeface="Arial"/>
         <a:font script="Uigh" typeface="Microsoft Uighur"/>
         <a:font script="Geor" typeface="Sylfaen"/>
-        <a:font script="Armn" typeface="Arial"/>
-        <a:font script="Bugi" typeface="Leelawadee UI"/>
-        <a:font script="Bopo" typeface="Microsoft JhengHei"/>
-        <a:font script="Java" typeface="Javanese Text"/>
-        <a:font script="Lisu" typeface="Segoe UI"/>
-        <a:font script="Mymr" typeface="Myanmar Text"/>
-        <a:font script="Nkoo" typeface="Ebrima"/>
-        <a:font script="Olck" typeface="Nirmala UI"/>
-        <a:font script="Osma" typeface="Ebrima"/>
-        <a:font script="Phag" typeface="Phagspa"/>
-        <a:font script="Syrn" typeface="Estrangelo Edessa"/>
-        <a:font script="Syrj" typeface="Estrangelo Edessa"/>
-        <a:font script="Syre" typeface="Estrangelo Edessa"/>
-        <a:font script="Sora" typeface="Nirmala UI"/>
-        <a:font script="Tale" typeface="Microsoft Tai Le"/>
-        <a:font script="Talu" typeface="Microsoft New Tai Lue"/>
-        <a:font script="Tfng" typeface="Ebrima"/>
       </a:minorFont>
     </a:fontScheme>
     <a:fmtScheme name="Office">
@@ -11264,8 +10951,6 @@
       </a:bgFillStyleLst>
     </a:fmtScheme>
   </a:themeElements>
-  <a:objectDefaults/>
-  <a:extraClrSchemeLst/>
   <a:extLst>
     <a:ext uri="{05A4C25C-085E-4340-85A3-A5531E510DB2}">
       <thm15:themeFamily xmlns:thm15="http://schemas.microsoft.com/office/thememl/2012/main" name="Office Theme" id="{62F939B6-93AF-4DB8-9C6B-D6C7DFDC589F}" vid="{4A3C46E8-61CC-4603-A589-7422A47A8E4A}"/>
